--- a/Documentação/ApresentaçãoSegundaSprint.pptx
+++ b/Documentação/ApresentaçãoSegundaSprint.pptx
@@ -175,7 +175,7 @@
           </a:lstStyle>
           <a:p>
             <a:r>
-              <a:rPr lang="en-US" smtClean="0"/>
+              <a:rPr lang="en-US"/>
               <a:t>Click to edit Master title style</a:t>
             </a:r>
             <a:endParaRPr lang="en-US" dirty="0"/>
@@ -240,7 +240,7 @@
           </a:lstStyle>
           <a:p>
             <a:r>
-              <a:rPr lang="en-US" smtClean="0"/>
+              <a:rPr lang="en-US"/>
               <a:t>Click to edit Master subtitle style</a:t>
             </a:r>
             <a:endParaRPr lang="en-US" dirty="0"/>
@@ -264,7 +264,7 @@
           <a:p>
             <a:fld id="{1E5963E2-BBC5-4E62-9AA3-54F1F25F88CF}" type="datetimeFigureOut">
               <a:rPr lang="en-US" smtClean="0"/>
-              <a:t>10/23/2019</a:t>
+              <a:t>10/24/2019</a:t>
             </a:fld>
             <a:endParaRPr lang="en-US"/>
           </a:p>
@@ -358,7 +358,7 @@
           <a:lstStyle/>
           <a:p>
             <a:r>
-              <a:rPr lang="en-US" smtClean="0"/>
+              <a:rPr lang="en-US"/>
               <a:t>Click to edit Master title style</a:t>
             </a:r>
             <a:endParaRPr lang="en-US" dirty="0"/>
@@ -382,35 +382,35 @@
           <a:p>
             <a:pPr lvl="0"/>
             <a:r>
-              <a:rPr lang="en-US" smtClean="0"/>
+              <a:rPr lang="en-US"/>
               <a:t>Click to edit Master text styles</a:t>
             </a:r>
           </a:p>
           <a:p>
             <a:pPr lvl="1"/>
             <a:r>
-              <a:rPr lang="en-US" smtClean="0"/>
+              <a:rPr lang="en-US"/>
               <a:t>Second level</a:t>
             </a:r>
           </a:p>
           <a:p>
             <a:pPr lvl="2"/>
             <a:r>
-              <a:rPr lang="en-US" smtClean="0"/>
+              <a:rPr lang="en-US"/>
               <a:t>Third level</a:t>
             </a:r>
           </a:p>
           <a:p>
             <a:pPr lvl="3"/>
             <a:r>
-              <a:rPr lang="en-US" smtClean="0"/>
+              <a:rPr lang="en-US"/>
               <a:t>Fourth level</a:t>
             </a:r>
           </a:p>
           <a:p>
             <a:pPr lvl="4"/>
             <a:r>
-              <a:rPr lang="en-US" smtClean="0"/>
+              <a:rPr lang="en-US"/>
               <a:t>Fifth level</a:t>
             </a:r>
             <a:endParaRPr lang="en-US" dirty="0"/>
@@ -434,7 +434,7 @@
           <a:p>
             <a:fld id="{1E5963E2-BBC5-4E62-9AA3-54F1F25F88CF}" type="datetimeFigureOut">
               <a:rPr lang="en-US" smtClean="0"/>
-              <a:t>10/23/2019</a:t>
+              <a:t>10/24/2019</a:t>
             </a:fld>
             <a:endParaRPr lang="en-US"/>
           </a:p>
@@ -533,7 +533,7 @@
           <a:lstStyle/>
           <a:p>
             <a:r>
-              <a:rPr lang="en-US" smtClean="0"/>
+              <a:rPr lang="en-US"/>
               <a:t>Click to edit Master title style</a:t>
             </a:r>
             <a:endParaRPr lang="en-US" dirty="0"/>
@@ -562,35 +562,35 @@
           <a:p>
             <a:pPr lvl="0"/>
             <a:r>
-              <a:rPr lang="en-US" smtClean="0"/>
+              <a:rPr lang="en-US"/>
               <a:t>Click to edit Master text styles</a:t>
             </a:r>
           </a:p>
           <a:p>
             <a:pPr lvl="1"/>
             <a:r>
-              <a:rPr lang="en-US" smtClean="0"/>
+              <a:rPr lang="en-US"/>
               <a:t>Second level</a:t>
             </a:r>
           </a:p>
           <a:p>
             <a:pPr lvl="2"/>
             <a:r>
-              <a:rPr lang="en-US" smtClean="0"/>
+              <a:rPr lang="en-US"/>
               <a:t>Third level</a:t>
             </a:r>
           </a:p>
           <a:p>
             <a:pPr lvl="3"/>
             <a:r>
-              <a:rPr lang="en-US" smtClean="0"/>
+              <a:rPr lang="en-US"/>
               <a:t>Fourth level</a:t>
             </a:r>
           </a:p>
           <a:p>
             <a:pPr lvl="4"/>
             <a:r>
-              <a:rPr lang="en-US" smtClean="0"/>
+              <a:rPr lang="en-US"/>
               <a:t>Fifth level</a:t>
             </a:r>
             <a:endParaRPr lang="en-US" dirty="0"/>
@@ -614,7 +614,7 @@
           <a:p>
             <a:fld id="{1E5963E2-BBC5-4E62-9AA3-54F1F25F88CF}" type="datetimeFigureOut">
               <a:rPr lang="en-US" smtClean="0"/>
-              <a:t>10/23/2019</a:t>
+              <a:t>10/24/2019</a:t>
             </a:fld>
             <a:endParaRPr lang="en-US"/>
           </a:p>
@@ -708,7 +708,7 @@
           <a:lstStyle/>
           <a:p>
             <a:r>
-              <a:rPr lang="en-US" smtClean="0"/>
+              <a:rPr lang="en-US"/>
               <a:t>Click to edit Master title style</a:t>
             </a:r>
             <a:endParaRPr lang="en-US" dirty="0"/>
@@ -732,35 +732,35 @@
           <a:p>
             <a:pPr lvl="0"/>
             <a:r>
-              <a:rPr lang="en-US" smtClean="0"/>
+              <a:rPr lang="en-US"/>
               <a:t>Click to edit Master text styles</a:t>
             </a:r>
           </a:p>
           <a:p>
             <a:pPr lvl="1"/>
             <a:r>
-              <a:rPr lang="en-US" smtClean="0"/>
+              <a:rPr lang="en-US"/>
               <a:t>Second level</a:t>
             </a:r>
           </a:p>
           <a:p>
             <a:pPr lvl="2"/>
             <a:r>
-              <a:rPr lang="en-US" smtClean="0"/>
+              <a:rPr lang="en-US"/>
               <a:t>Third level</a:t>
             </a:r>
           </a:p>
           <a:p>
             <a:pPr lvl="3"/>
             <a:r>
-              <a:rPr lang="en-US" smtClean="0"/>
+              <a:rPr lang="en-US"/>
               <a:t>Fourth level</a:t>
             </a:r>
           </a:p>
           <a:p>
             <a:pPr lvl="4"/>
             <a:r>
-              <a:rPr lang="en-US" smtClean="0"/>
+              <a:rPr lang="en-US"/>
               <a:t>Fifth level</a:t>
             </a:r>
             <a:endParaRPr lang="en-US" dirty="0"/>
@@ -784,7 +784,7 @@
           <a:p>
             <a:fld id="{1E5963E2-BBC5-4E62-9AA3-54F1F25F88CF}" type="datetimeFigureOut">
               <a:rPr lang="en-US" smtClean="0"/>
-              <a:t>10/23/2019</a:t>
+              <a:t>10/24/2019</a:t>
             </a:fld>
             <a:endParaRPr lang="en-US"/>
           </a:p>
@@ -887,7 +887,7 @@
           </a:lstStyle>
           <a:p>
             <a:r>
-              <a:rPr lang="en-US" smtClean="0"/>
+              <a:rPr lang="en-US"/>
               <a:t>Click to edit Master title style</a:t>
             </a:r>
             <a:endParaRPr lang="en-US" dirty="0"/>
@@ -1007,7 +1007,7 @@
           <a:p>
             <a:pPr lvl="0"/>
             <a:r>
-              <a:rPr lang="en-US" smtClean="0"/>
+              <a:rPr lang="en-US"/>
               <a:t>Click to edit Master text styles</a:t>
             </a:r>
           </a:p>
@@ -1030,7 +1030,7 @@
           <a:p>
             <a:fld id="{1E5963E2-BBC5-4E62-9AA3-54F1F25F88CF}" type="datetimeFigureOut">
               <a:rPr lang="en-US" smtClean="0"/>
-              <a:t>10/23/2019</a:t>
+              <a:t>10/24/2019</a:t>
             </a:fld>
             <a:endParaRPr lang="en-US"/>
           </a:p>
@@ -1124,7 +1124,7 @@
           <a:lstStyle/>
           <a:p>
             <a:r>
-              <a:rPr lang="en-US" smtClean="0"/>
+              <a:rPr lang="en-US"/>
               <a:t>Click to edit Master title style</a:t>
             </a:r>
             <a:endParaRPr lang="en-US" dirty="0"/>
@@ -1153,35 +1153,35 @@
           <a:p>
             <a:pPr lvl="0"/>
             <a:r>
-              <a:rPr lang="en-US" smtClean="0"/>
+              <a:rPr lang="en-US"/>
               <a:t>Click to edit Master text styles</a:t>
             </a:r>
           </a:p>
           <a:p>
             <a:pPr lvl="1"/>
             <a:r>
-              <a:rPr lang="en-US" smtClean="0"/>
+              <a:rPr lang="en-US"/>
               <a:t>Second level</a:t>
             </a:r>
           </a:p>
           <a:p>
             <a:pPr lvl="2"/>
             <a:r>
-              <a:rPr lang="en-US" smtClean="0"/>
+              <a:rPr lang="en-US"/>
               <a:t>Third level</a:t>
             </a:r>
           </a:p>
           <a:p>
             <a:pPr lvl="3"/>
             <a:r>
-              <a:rPr lang="en-US" smtClean="0"/>
+              <a:rPr lang="en-US"/>
               <a:t>Fourth level</a:t>
             </a:r>
           </a:p>
           <a:p>
             <a:pPr lvl="4"/>
             <a:r>
-              <a:rPr lang="en-US" smtClean="0"/>
+              <a:rPr lang="en-US"/>
               <a:t>Fifth level</a:t>
             </a:r>
             <a:endParaRPr lang="en-US" dirty="0"/>
@@ -1210,35 +1210,35 @@
           <a:p>
             <a:pPr lvl="0"/>
             <a:r>
-              <a:rPr lang="en-US" smtClean="0"/>
+              <a:rPr lang="en-US"/>
               <a:t>Click to edit Master text styles</a:t>
             </a:r>
           </a:p>
           <a:p>
             <a:pPr lvl="1"/>
             <a:r>
-              <a:rPr lang="en-US" smtClean="0"/>
+              <a:rPr lang="en-US"/>
               <a:t>Second level</a:t>
             </a:r>
           </a:p>
           <a:p>
             <a:pPr lvl="2"/>
             <a:r>
-              <a:rPr lang="en-US" smtClean="0"/>
+              <a:rPr lang="en-US"/>
               <a:t>Third level</a:t>
             </a:r>
           </a:p>
           <a:p>
             <a:pPr lvl="3"/>
             <a:r>
-              <a:rPr lang="en-US" smtClean="0"/>
+              <a:rPr lang="en-US"/>
               <a:t>Fourth level</a:t>
             </a:r>
           </a:p>
           <a:p>
             <a:pPr lvl="4"/>
             <a:r>
-              <a:rPr lang="en-US" smtClean="0"/>
+              <a:rPr lang="en-US"/>
               <a:t>Fifth level</a:t>
             </a:r>
             <a:endParaRPr lang="en-US" dirty="0"/>
@@ -1262,7 +1262,7 @@
           <a:p>
             <a:fld id="{1E5963E2-BBC5-4E62-9AA3-54F1F25F88CF}" type="datetimeFigureOut">
               <a:rPr lang="en-US" smtClean="0"/>
-              <a:t>10/23/2019</a:t>
+              <a:t>10/24/2019</a:t>
             </a:fld>
             <a:endParaRPr lang="en-US"/>
           </a:p>
@@ -1361,7 +1361,7 @@
           <a:lstStyle/>
           <a:p>
             <a:r>
-              <a:rPr lang="en-US" smtClean="0"/>
+              <a:rPr lang="en-US"/>
               <a:t>Click to edit Master title style</a:t>
             </a:r>
             <a:endParaRPr lang="en-US" dirty="0"/>
@@ -1427,7 +1427,7 @@
           <a:p>
             <a:pPr lvl="0"/>
             <a:r>
-              <a:rPr lang="en-US" smtClean="0"/>
+              <a:rPr lang="en-US"/>
               <a:t>Click to edit Master text styles</a:t>
             </a:r>
           </a:p>
@@ -1455,35 +1455,35 @@
           <a:p>
             <a:pPr lvl="0"/>
             <a:r>
-              <a:rPr lang="en-US" smtClean="0"/>
+              <a:rPr lang="en-US"/>
               <a:t>Click to edit Master text styles</a:t>
             </a:r>
           </a:p>
           <a:p>
             <a:pPr lvl="1"/>
             <a:r>
-              <a:rPr lang="en-US" smtClean="0"/>
+              <a:rPr lang="en-US"/>
               <a:t>Second level</a:t>
             </a:r>
           </a:p>
           <a:p>
             <a:pPr lvl="2"/>
             <a:r>
-              <a:rPr lang="en-US" smtClean="0"/>
+              <a:rPr lang="en-US"/>
               <a:t>Third level</a:t>
             </a:r>
           </a:p>
           <a:p>
             <a:pPr lvl="3"/>
             <a:r>
-              <a:rPr lang="en-US" smtClean="0"/>
+              <a:rPr lang="en-US"/>
               <a:t>Fourth level</a:t>
             </a:r>
           </a:p>
           <a:p>
             <a:pPr lvl="4"/>
             <a:r>
-              <a:rPr lang="en-US" smtClean="0"/>
+              <a:rPr lang="en-US"/>
               <a:t>Fifth level</a:t>
             </a:r>
             <a:endParaRPr lang="en-US" dirty="0"/>
@@ -1549,7 +1549,7 @@
           <a:p>
             <a:pPr lvl="0"/>
             <a:r>
-              <a:rPr lang="en-US" smtClean="0"/>
+              <a:rPr lang="en-US"/>
               <a:t>Click to edit Master text styles</a:t>
             </a:r>
           </a:p>
@@ -1577,35 +1577,35 @@
           <a:p>
             <a:pPr lvl="0"/>
             <a:r>
-              <a:rPr lang="en-US" smtClean="0"/>
+              <a:rPr lang="en-US"/>
               <a:t>Click to edit Master text styles</a:t>
             </a:r>
           </a:p>
           <a:p>
             <a:pPr lvl="1"/>
             <a:r>
-              <a:rPr lang="en-US" smtClean="0"/>
+              <a:rPr lang="en-US"/>
               <a:t>Second level</a:t>
             </a:r>
           </a:p>
           <a:p>
             <a:pPr lvl="2"/>
             <a:r>
-              <a:rPr lang="en-US" smtClean="0"/>
+              <a:rPr lang="en-US"/>
               <a:t>Third level</a:t>
             </a:r>
           </a:p>
           <a:p>
             <a:pPr lvl="3"/>
             <a:r>
-              <a:rPr lang="en-US" smtClean="0"/>
+              <a:rPr lang="en-US"/>
               <a:t>Fourth level</a:t>
             </a:r>
           </a:p>
           <a:p>
             <a:pPr lvl="4"/>
             <a:r>
-              <a:rPr lang="en-US" smtClean="0"/>
+              <a:rPr lang="en-US"/>
               <a:t>Fifth level</a:t>
             </a:r>
             <a:endParaRPr lang="en-US" dirty="0"/>
@@ -1629,7 +1629,7 @@
           <a:p>
             <a:fld id="{1E5963E2-BBC5-4E62-9AA3-54F1F25F88CF}" type="datetimeFigureOut">
               <a:rPr lang="en-US" smtClean="0"/>
-              <a:t>10/23/2019</a:t>
+              <a:t>10/24/2019</a:t>
             </a:fld>
             <a:endParaRPr lang="en-US"/>
           </a:p>
@@ -1723,7 +1723,7 @@
           <a:lstStyle/>
           <a:p>
             <a:r>
-              <a:rPr lang="en-US" smtClean="0"/>
+              <a:rPr lang="en-US"/>
               <a:t>Click to edit Master title style</a:t>
             </a:r>
             <a:endParaRPr lang="en-US" dirty="0"/>
@@ -1747,7 +1747,7 @@
           <a:p>
             <a:fld id="{1E5963E2-BBC5-4E62-9AA3-54F1F25F88CF}" type="datetimeFigureOut">
               <a:rPr lang="en-US" smtClean="0"/>
-              <a:t>10/23/2019</a:t>
+              <a:t>10/24/2019</a:t>
             </a:fld>
             <a:endParaRPr lang="en-US"/>
           </a:p>
@@ -1842,7 +1842,7 @@
           <a:p>
             <a:fld id="{1E5963E2-BBC5-4E62-9AA3-54F1F25F88CF}" type="datetimeFigureOut">
               <a:rPr lang="en-US" smtClean="0"/>
-              <a:t>10/23/2019</a:t>
+              <a:t>10/24/2019</a:t>
             </a:fld>
             <a:endParaRPr lang="en-US"/>
           </a:p>
@@ -1945,7 +1945,7 @@
           </a:lstStyle>
           <a:p>
             <a:r>
-              <a:rPr lang="en-US" smtClean="0"/>
+              <a:rPr lang="en-US"/>
               <a:t>Click to edit Master title style</a:t>
             </a:r>
             <a:endParaRPr lang="en-US" dirty="0"/>
@@ -2002,35 +2002,35 @@
           <a:p>
             <a:pPr lvl="0"/>
             <a:r>
-              <a:rPr lang="en-US" smtClean="0"/>
+              <a:rPr lang="en-US"/>
               <a:t>Click to edit Master text styles</a:t>
             </a:r>
           </a:p>
           <a:p>
             <a:pPr lvl="1"/>
             <a:r>
-              <a:rPr lang="en-US" smtClean="0"/>
+              <a:rPr lang="en-US"/>
               <a:t>Second level</a:t>
             </a:r>
           </a:p>
           <a:p>
             <a:pPr lvl="2"/>
             <a:r>
-              <a:rPr lang="en-US" smtClean="0"/>
+              <a:rPr lang="en-US"/>
               <a:t>Third level</a:t>
             </a:r>
           </a:p>
           <a:p>
             <a:pPr lvl="3"/>
             <a:r>
-              <a:rPr lang="en-US" smtClean="0"/>
+              <a:rPr lang="en-US"/>
               <a:t>Fourth level</a:t>
             </a:r>
           </a:p>
           <a:p>
             <a:pPr lvl="4"/>
             <a:r>
-              <a:rPr lang="en-US" smtClean="0"/>
+              <a:rPr lang="en-US"/>
               <a:t>Fifth level</a:t>
             </a:r>
             <a:endParaRPr lang="en-US" dirty="0"/>
@@ -2096,7 +2096,7 @@
           <a:p>
             <a:pPr lvl="0"/>
             <a:r>
-              <a:rPr lang="en-US" smtClean="0"/>
+              <a:rPr lang="en-US"/>
               <a:t>Click to edit Master text styles</a:t>
             </a:r>
           </a:p>
@@ -2119,7 +2119,7 @@
           <a:p>
             <a:fld id="{1E5963E2-BBC5-4E62-9AA3-54F1F25F88CF}" type="datetimeFigureOut">
               <a:rPr lang="en-US" smtClean="0"/>
-              <a:t>10/23/2019</a:t>
+              <a:t>10/24/2019</a:t>
             </a:fld>
             <a:endParaRPr lang="en-US"/>
           </a:p>
@@ -2222,7 +2222,7 @@
           </a:lstStyle>
           <a:p>
             <a:r>
-              <a:rPr lang="en-US" smtClean="0"/>
+              <a:rPr lang="en-US"/>
               <a:t>Click to edit Master title style</a:t>
             </a:r>
             <a:endParaRPr lang="en-US" dirty="0"/>
@@ -2287,7 +2287,7 @@
           </a:lstStyle>
           <a:p>
             <a:r>
-              <a:rPr lang="en-US" smtClean="0"/>
+              <a:rPr lang="en-US"/>
               <a:t>Click icon to add picture</a:t>
             </a:r>
             <a:endParaRPr lang="en-US" dirty="0"/>
@@ -2353,7 +2353,7 @@
           <a:p>
             <a:pPr lvl="0"/>
             <a:r>
-              <a:rPr lang="en-US" smtClean="0"/>
+              <a:rPr lang="en-US"/>
               <a:t>Click to edit Master text styles</a:t>
             </a:r>
           </a:p>
@@ -2376,7 +2376,7 @@
           <a:p>
             <a:fld id="{1E5963E2-BBC5-4E62-9AA3-54F1F25F88CF}" type="datetimeFigureOut">
               <a:rPr lang="en-US" smtClean="0"/>
-              <a:t>10/23/2019</a:t>
+              <a:t>10/24/2019</a:t>
             </a:fld>
             <a:endParaRPr lang="en-US"/>
           </a:p>
@@ -2485,7 +2485,7 @@
           <a:lstStyle/>
           <a:p>
             <a:r>
-              <a:rPr lang="en-US" smtClean="0"/>
+              <a:rPr lang="en-US"/>
               <a:t>Click to edit Master title style</a:t>
             </a:r>
             <a:endParaRPr lang="en-US" dirty="0"/>
@@ -2519,35 +2519,35 @@
           <a:p>
             <a:pPr lvl="0"/>
             <a:r>
-              <a:rPr lang="en-US" smtClean="0"/>
+              <a:rPr lang="en-US"/>
               <a:t>Click to edit Master text styles</a:t>
             </a:r>
           </a:p>
           <a:p>
             <a:pPr lvl="1"/>
             <a:r>
-              <a:rPr lang="en-US" smtClean="0"/>
+              <a:rPr lang="en-US"/>
               <a:t>Second level</a:t>
             </a:r>
           </a:p>
           <a:p>
             <a:pPr lvl="2"/>
             <a:r>
-              <a:rPr lang="en-US" smtClean="0"/>
+              <a:rPr lang="en-US"/>
               <a:t>Third level</a:t>
             </a:r>
           </a:p>
           <a:p>
             <a:pPr lvl="3"/>
             <a:r>
-              <a:rPr lang="en-US" smtClean="0"/>
+              <a:rPr lang="en-US"/>
               <a:t>Fourth level</a:t>
             </a:r>
           </a:p>
           <a:p>
             <a:pPr lvl="4"/>
             <a:r>
-              <a:rPr lang="en-US" smtClean="0"/>
+              <a:rPr lang="en-US"/>
               <a:t>Fifth level</a:t>
             </a:r>
             <a:endParaRPr lang="en-US" dirty="0"/>
@@ -2589,7 +2589,7 @@
           <a:p>
             <a:fld id="{1E5963E2-BBC5-4E62-9AA3-54F1F25F88CF}" type="datetimeFigureOut">
               <a:rPr lang="en-US" smtClean="0"/>
-              <a:t>10/23/2019</a:t>
+              <a:t>10/24/2019</a:t>
             </a:fld>
             <a:endParaRPr lang="en-US"/>
           </a:p>
@@ -3015,7 +3015,7 @@
           <a:lstStyle/>
           <a:p>
             <a:r>
-              <a:rPr lang="pt-BR" dirty="0" smtClean="0">
+              <a:rPr lang="pt-BR" dirty="0">
                 <a:latin typeface="MS Gothic" panose="020B0609070205080204" pitchFamily="49" charset="-128"/>
                 <a:ea typeface="MS Gothic" panose="020B0609070205080204" pitchFamily="49" charset="-128"/>
               </a:rPr>
@@ -3051,7 +3051,7 @@
           <a:lstStyle/>
           <a:p>
             <a:r>
-              <a:rPr lang="pt-BR" dirty="0" smtClean="0"/>
+              <a:rPr lang="pt-BR" dirty="0"/>
               <a:t>GRUPO 8</a:t>
             </a:r>
           </a:p>
@@ -4280,19 +4280,19 @@
           <a:lstStyle/>
           <a:p>
             <a:r>
-              <a:rPr lang="pt-BR" dirty="0" smtClean="0"/>
+              <a:rPr lang="pt-BR" dirty="0"/>
               <a:t>Iago Luz</a:t>
             </a:r>
           </a:p>
           <a:p>
             <a:r>
-              <a:rPr lang="pt-BR" dirty="0" smtClean="0"/>
+              <a:rPr lang="pt-BR" dirty="0"/>
               <a:t>Marcio Santana</a:t>
             </a:r>
           </a:p>
           <a:p>
             <a:r>
-              <a:rPr lang="pt-BR" dirty="0" smtClean="0"/>
+              <a:rPr lang="pt-BR" dirty="0"/>
               <a:t>Vinicio Braga</a:t>
             </a:r>
             <a:endParaRPr lang="en-US" dirty="0"/>
@@ -4322,19 +4322,19 @@
           <a:lstStyle/>
           <a:p>
             <a:r>
-              <a:rPr lang="pt-BR" dirty="0" smtClean="0"/>
+              <a:rPr lang="pt-BR" dirty="0"/>
               <a:t>Lucas Magalhães</a:t>
             </a:r>
           </a:p>
           <a:p>
             <a:r>
-              <a:rPr lang="pt-BR" dirty="0" smtClean="0"/>
+              <a:rPr lang="pt-BR" dirty="0"/>
               <a:t>Nathalia Jorge</a:t>
             </a:r>
           </a:p>
           <a:p>
             <a:r>
-              <a:rPr lang="pt-BR" dirty="0" smtClean="0"/>
+              <a:rPr lang="pt-BR" dirty="0"/>
               <a:t>Renan Sutto</a:t>
             </a:r>
             <a:endParaRPr lang="en-US" dirty="0"/>
@@ -4351,13 +4351,6 @@
   <p:clrMapOvr>
     <a:masterClrMapping/>
   </p:clrMapOvr>
-  <p:timing>
-    <p:tnLst>
-      <p:par>
-        <p:cTn id="1" dur="indefinite" restart="never" nodeType="tmRoot"/>
-      </p:par>
-    </p:tnLst>
-  </p:timing>
 </p:sld>
 </file>
 
@@ -4401,7 +4394,7 @@
           <a:lstStyle/>
           <a:p>
             <a:r>
-              <a:rPr lang="pt-BR" sz="2400" dirty="0" smtClean="0">
+              <a:rPr lang="pt-BR" sz="2400" dirty="0">
                 <a:latin typeface="MS Gothic" panose="020B0609070205080204" pitchFamily="49" charset="-128"/>
                 <a:ea typeface="MS Gothic" panose="020B0609070205080204" pitchFamily="49" charset="-128"/>
               </a:rPr>
@@ -4437,7 +4430,7 @@
           <a:lstStyle/>
           <a:p>
             <a:r>
-              <a:rPr lang="pt-BR" sz="5400" dirty="0" smtClean="0">
+              <a:rPr lang="pt-BR" sz="5400" dirty="0">
                 <a:latin typeface="MS Gothic" panose="020B0609070205080204" pitchFamily="49" charset="-128"/>
                 <a:ea typeface="MS Gothic" panose="020B0609070205080204" pitchFamily="49" charset="-128"/>
               </a:rPr>
@@ -4492,7 +4485,7 @@
           <a:p>
             <a:pPr algn="ctr"/>
             <a:r>
-              <a:rPr lang="pt-BR" dirty="0" smtClean="0"/>
+              <a:rPr lang="pt-BR" dirty="0"/>
               <a:t> - </a:t>
             </a:r>
             <a:endParaRPr lang="en-US" dirty="0"/>
@@ -4538,13 +4531,6 @@
   <p:clrMapOvr>
     <a:masterClrMapping/>
   </p:clrMapOvr>
-  <p:timing>
-    <p:tnLst>
-      <p:par>
-        <p:cTn id="1" dur="indefinite" restart="never" nodeType="tmRoot"/>
-      </p:par>
-    </p:tnLst>
-  </p:timing>
 </p:sld>
 </file>
 
@@ -4588,7 +4574,7 @@
           <a:lstStyle/>
           <a:p>
             <a:r>
-              <a:rPr lang="pt-BR" sz="2400" dirty="0" smtClean="0">
+              <a:rPr lang="pt-BR" sz="2400" dirty="0">
                 <a:latin typeface="MS Gothic" panose="020B0609070205080204" pitchFamily="49" charset="-128"/>
                 <a:ea typeface="MS Gothic" panose="020B0609070205080204" pitchFamily="49" charset="-128"/>
               </a:rPr>
@@ -4624,7 +4610,7 @@
           <a:lstStyle/>
           <a:p>
             <a:r>
-              <a:rPr lang="pt-BR" sz="5400" dirty="0" smtClean="0">
+              <a:rPr lang="pt-BR" sz="5400" dirty="0">
                 <a:latin typeface="MS Gothic" panose="020B0609070205080204" pitchFamily="49" charset="-128"/>
                 <a:ea typeface="MS Gothic" panose="020B0609070205080204" pitchFamily="49" charset="-128"/>
               </a:rPr>
@@ -4679,7 +4665,7 @@
           <a:p>
             <a:pPr algn="ctr"/>
             <a:r>
-              <a:rPr lang="pt-BR" dirty="0" smtClean="0"/>
+              <a:rPr lang="pt-BR" dirty="0"/>
               <a:t> - </a:t>
             </a:r>
             <a:endParaRPr lang="en-US" dirty="0"/>
@@ -4720,13 +4706,6 @@
   <p:clrMapOvr>
     <a:masterClrMapping/>
   </p:clrMapOvr>
-  <p:timing>
-    <p:tnLst>
-      <p:par>
-        <p:cTn id="1" dur="indefinite" restart="never" nodeType="tmRoot"/>
-      </p:par>
-    </p:tnLst>
-  </p:timing>
 </p:sld>
 </file>
 
@@ -4770,7 +4749,7 @@
           <a:lstStyle/>
           <a:p>
             <a:r>
-              <a:rPr lang="pt-BR" sz="2400" dirty="0" smtClean="0">
+              <a:rPr lang="pt-BR" sz="2400" dirty="0">
                 <a:latin typeface="MS Gothic" panose="020B0609070205080204" pitchFamily="49" charset="-128"/>
                 <a:ea typeface="MS Gothic" panose="020B0609070205080204" pitchFamily="49" charset="-128"/>
               </a:rPr>
@@ -4806,7 +4785,7 @@
           <a:lstStyle/>
           <a:p>
             <a:r>
-              <a:rPr lang="pt-BR" sz="5400" dirty="0" smtClean="0">
+              <a:rPr lang="pt-BR" sz="5400" dirty="0">
                 <a:latin typeface="MS Gothic" panose="020B0609070205080204" pitchFamily="49" charset="-128"/>
                 <a:ea typeface="MS Gothic" panose="020B0609070205080204" pitchFamily="49" charset="-128"/>
               </a:rPr>
@@ -4861,7 +4840,7 @@
           <a:p>
             <a:pPr algn="ctr"/>
             <a:r>
-              <a:rPr lang="pt-BR" dirty="0" smtClean="0"/>
+              <a:rPr lang="pt-BR" dirty="0"/>
               <a:t> - </a:t>
             </a:r>
             <a:endParaRPr lang="en-US" dirty="0"/>
@@ -4963,18 +4942,13 @@
           <a:lstStyle/>
           <a:p>
             <a:r>
-              <a:rPr lang="pt-BR" sz="1400" dirty="0" smtClean="0">
+              <a:rPr lang="pt-BR" sz="1400" dirty="0">
                 <a:solidFill>
                   <a:schemeClr val="bg1"/>
                 </a:solidFill>
               </a:rPr>
               <a:t>de cadastro</a:t>
             </a:r>
-            <a:endParaRPr lang="pt-BR" sz="1400" dirty="0">
-              <a:solidFill>
-                <a:schemeClr val="bg1"/>
-              </a:solidFill>
-            </a:endParaRPr>
           </a:p>
         </p:txBody>
       </p:sp>
@@ -5049,18 +5023,13 @@
           <a:lstStyle/>
           <a:p>
             <a:r>
-              <a:rPr lang="pt-BR" sz="1400" dirty="0" smtClean="0">
+              <a:rPr lang="pt-BR" sz="1400" dirty="0">
                 <a:solidFill>
                   <a:schemeClr val="bg1"/>
                 </a:solidFill>
               </a:rPr>
               <a:t>infraestrutura</a:t>
             </a:r>
-            <a:endParaRPr lang="pt-BR" sz="1400" dirty="0">
-              <a:solidFill>
-                <a:schemeClr val="bg1"/>
-              </a:solidFill>
-            </a:endParaRPr>
           </a:p>
         </p:txBody>
       </p:sp>
@@ -5074,13 +5043,6 @@
   <p:clrMapOvr>
     <a:masterClrMapping/>
   </p:clrMapOvr>
-  <p:timing>
-    <p:tnLst>
-      <p:par>
-        <p:cTn id="1" dur="indefinite" restart="never" nodeType="tmRoot"/>
-      </p:par>
-    </p:tnLst>
-  </p:timing>
 </p:sld>
 </file>
 
@@ -5124,7 +5086,7 @@
           <a:lstStyle/>
           <a:p>
             <a:r>
-              <a:rPr lang="pt-BR" sz="2400" dirty="0" smtClean="0">
+              <a:rPr lang="pt-BR" sz="2400" dirty="0">
                 <a:latin typeface="MS Gothic" panose="020B0609070205080204" pitchFamily="49" charset="-128"/>
                 <a:ea typeface="MS Gothic" panose="020B0609070205080204" pitchFamily="49" charset="-128"/>
               </a:rPr>
@@ -5160,7 +5122,7 @@
           <a:lstStyle/>
           <a:p>
             <a:r>
-              <a:rPr lang="pt-BR" sz="5400" dirty="0" smtClean="0">
+              <a:rPr lang="pt-BR" sz="5400" dirty="0">
                 <a:latin typeface="MS Gothic" panose="020B0609070205080204" pitchFamily="49" charset="-128"/>
                 <a:ea typeface="MS Gothic" panose="020B0609070205080204" pitchFamily="49" charset="-128"/>
               </a:rPr>
@@ -5215,7 +5177,7 @@
           <a:p>
             <a:pPr algn="ctr"/>
             <a:r>
-              <a:rPr lang="pt-BR" dirty="0" smtClean="0"/>
+              <a:rPr lang="pt-BR" dirty="0"/>
               <a:t> - </a:t>
             </a:r>
             <a:endParaRPr lang="en-US" dirty="0"/>
@@ -5256,13 +5218,6 @@
   <p:clrMapOvr>
     <a:masterClrMapping/>
   </p:clrMapOvr>
-  <p:timing>
-    <p:tnLst>
-      <p:par>
-        <p:cTn id="1" dur="indefinite" restart="never" nodeType="tmRoot"/>
-      </p:par>
-    </p:tnLst>
-  </p:timing>
 </p:sld>
 </file>
 
@@ -5306,7 +5261,7 @@
           <a:lstStyle/>
           <a:p>
             <a:r>
-              <a:rPr lang="pt-BR" sz="2400" dirty="0" smtClean="0">
+              <a:rPr lang="pt-BR" sz="2400" dirty="0">
                 <a:latin typeface="MS Gothic" panose="020B0609070205080204" pitchFamily="49" charset="-128"/>
                 <a:ea typeface="MS Gothic" panose="020B0609070205080204" pitchFamily="49" charset="-128"/>
               </a:rPr>
@@ -5342,7 +5297,7 @@
           <a:lstStyle/>
           <a:p>
             <a:r>
-              <a:rPr lang="pt-BR" sz="5400" dirty="0" smtClean="0">
+              <a:rPr lang="pt-BR" sz="5400" dirty="0">
                 <a:latin typeface="MS Gothic" panose="020B0609070205080204" pitchFamily="49" charset="-128"/>
                 <a:ea typeface="MS Gothic" panose="020B0609070205080204" pitchFamily="49" charset="-128"/>
               </a:rPr>
@@ -5397,7 +5352,7 @@
           <a:p>
             <a:pPr algn="ctr"/>
             <a:r>
-              <a:rPr lang="pt-BR" dirty="0" smtClean="0"/>
+              <a:rPr lang="pt-BR" dirty="0"/>
               <a:t> - </a:t>
             </a:r>
             <a:endParaRPr lang="en-US" dirty="0"/>
@@ -5438,13 +5393,6 @@
   <p:clrMapOvr>
     <a:masterClrMapping/>
   </p:clrMapOvr>
-  <p:timing>
-    <p:tnLst>
-      <p:par>
-        <p:cTn id="1" dur="indefinite" restart="never" nodeType="tmRoot"/>
-      </p:par>
-    </p:tnLst>
-  </p:timing>
 </p:sld>
 </file>
 
@@ -5488,7 +5436,7 @@
           <a:lstStyle/>
           <a:p>
             <a:r>
-              <a:rPr lang="pt-BR" sz="2400" dirty="0" smtClean="0">
+              <a:rPr lang="pt-BR" sz="2400" dirty="0">
                 <a:latin typeface="MS Gothic" panose="020B0609070205080204" pitchFamily="49" charset="-128"/>
                 <a:ea typeface="MS Gothic" panose="020B0609070205080204" pitchFamily="49" charset="-128"/>
               </a:rPr>
@@ -5524,7 +5472,7 @@
           <a:lstStyle/>
           <a:p>
             <a:r>
-              <a:rPr lang="pt-BR" sz="5400" dirty="0" smtClean="0">
+              <a:rPr lang="pt-BR" sz="5400" dirty="0">
                 <a:latin typeface="MS Gothic" panose="020B0609070205080204" pitchFamily="49" charset="-128"/>
                 <a:ea typeface="MS Gothic" panose="020B0609070205080204" pitchFamily="49" charset="-128"/>
               </a:rPr>
@@ -5621,13 +5569,6 @@
   <p:clrMapOvr>
     <a:masterClrMapping/>
   </p:clrMapOvr>
-  <p:timing>
-    <p:tnLst>
-      <p:par>
-        <p:cTn id="1" dur="indefinite" restart="never" nodeType="tmRoot"/>
-      </p:par>
-    </p:tnLst>
-  </p:timing>
 </p:sld>
 </file>
 
@@ -5671,7 +5612,7 @@
           <a:lstStyle/>
           <a:p>
             <a:r>
-              <a:rPr lang="pt-BR" sz="2400" dirty="0" smtClean="0">
+              <a:rPr lang="pt-BR" sz="2400" dirty="0">
                 <a:latin typeface="MS Gothic" panose="020B0609070205080204" pitchFamily="49" charset="-128"/>
                 <a:ea typeface="MS Gothic" panose="020B0609070205080204" pitchFamily="49" charset="-128"/>
               </a:rPr>
@@ -5707,7 +5648,7 @@
           <a:lstStyle/>
           <a:p>
             <a:r>
-              <a:rPr lang="pt-BR" sz="5400" dirty="0" smtClean="0">
+              <a:rPr lang="pt-BR" sz="5400" dirty="0">
                 <a:latin typeface="MS Gothic" panose="020B0609070205080204" pitchFamily="49" charset="-128"/>
                 <a:ea typeface="MS Gothic" panose="020B0609070205080204" pitchFamily="49" charset="-128"/>
               </a:rPr>
@@ -5819,13 +5760,6 @@
   <p:clrMapOvr>
     <a:masterClrMapping/>
   </p:clrMapOvr>
-  <p:timing>
-    <p:tnLst>
-      <p:par>
-        <p:cTn id="1" dur="indefinite" restart="never" nodeType="tmRoot"/>
-      </p:par>
-    </p:tnLst>
-  </p:timing>
 </p:sld>
 </file>
 
@@ -5869,7 +5803,7 @@
           <a:lstStyle/>
           <a:p>
             <a:r>
-              <a:rPr lang="pt-BR" sz="2400" dirty="0" smtClean="0">
+              <a:rPr lang="pt-BR" sz="2400" dirty="0">
                 <a:latin typeface="MS Gothic" panose="020B0609070205080204" pitchFamily="49" charset="-128"/>
                 <a:ea typeface="MS Gothic" panose="020B0609070205080204" pitchFamily="49" charset="-128"/>
               </a:rPr>
@@ -5905,7 +5839,7 @@
           <a:lstStyle/>
           <a:p>
             <a:r>
-              <a:rPr lang="pt-BR" sz="5400" dirty="0" smtClean="0">
+              <a:rPr lang="pt-BR" sz="5400" dirty="0">
                 <a:latin typeface="MS Gothic" panose="020B0609070205080204" pitchFamily="49" charset="-128"/>
                 <a:ea typeface="MS Gothic" panose="020B0609070205080204" pitchFamily="49" charset="-128"/>
               </a:rPr>
@@ -5965,7 +5899,13 @@
       </p:sp>
       <p:pic>
         <p:nvPicPr>
-          <p:cNvPr id="3" name="Picture 2"/>
+          <p:cNvPr id="8" name="Imagem 7" descr="Tela de celular com texto preto sobre fundo branco&#10;&#10;Descrição gerada automaticamente">
+            <a:extLst>
+              <a:ext uri="{FF2B5EF4-FFF2-40B4-BE49-F238E27FC236}">
+                <a16:creationId xmlns:a16="http://schemas.microsoft.com/office/drawing/2014/main" id="{776D82BC-DDD1-4CF1-B6E0-BC1D67FABA6A}"/>
+              </a:ext>
+            </a:extLst>
+          </p:cNvPr>
           <p:cNvPicPr>
             <a:picLocks noChangeAspect="1"/>
           </p:cNvPicPr>
@@ -5979,13 +5919,13 @@
               </a:ext>
             </a:extLst>
           </a:blip>
-          <a:srcRect l="12835" r="12763"/>
+          <a:srcRect l="12902" r="12758"/>
           <a:stretch/>
         </p:blipFill>
         <p:spPr>
           <a:xfrm>
-            <a:off x="-1" y="1653759"/>
-            <a:ext cx="6342709" cy="4795284"/>
+            <a:off x="0" y="1250237"/>
+            <a:ext cx="5768879" cy="5607763"/>
           </a:xfrm>
           <a:prstGeom prst="rect">
             <a:avLst/>
@@ -5994,7 +5934,13 @@
       </p:pic>
       <p:pic>
         <p:nvPicPr>
-          <p:cNvPr id="5" name="Picture 4"/>
+          <p:cNvPr id="10" name="Imagem 9" descr="Tela de celular com publicação numa rede social&#10;&#10;Descrição gerada automaticamente">
+            <a:extLst>
+              <a:ext uri="{FF2B5EF4-FFF2-40B4-BE49-F238E27FC236}">
+                <a16:creationId xmlns:a16="http://schemas.microsoft.com/office/drawing/2014/main" id="{9E9296C8-4395-43FF-AB03-8E5AA47D8133}"/>
+              </a:ext>
+            </a:extLst>
+          </p:cNvPr>
           <p:cNvPicPr>
             <a:picLocks noChangeAspect="1"/>
           </p:cNvPicPr>
@@ -6008,13 +5954,13 @@
               </a:ext>
             </a:extLst>
           </a:blip>
-          <a:srcRect l="13082" r="13052"/>
+          <a:srcRect l="13043" r="12826"/>
           <a:stretch/>
         </p:blipFill>
         <p:spPr>
           <a:xfrm>
-            <a:off x="5768879" y="1653759"/>
-            <a:ext cx="6297062" cy="4795284"/>
+            <a:off x="5718314" y="1244803"/>
+            <a:ext cx="6473686" cy="5607763"/>
           </a:xfrm>
           <a:prstGeom prst="rect">
             <a:avLst/>
@@ -6031,13 +5977,6 @@
   <p:clrMapOvr>
     <a:masterClrMapping/>
   </p:clrMapOvr>
-  <p:timing>
-    <p:tnLst>
-      <p:par>
-        <p:cTn id="1" dur="indefinite" restart="never" nodeType="tmRoot"/>
-      </p:par>
-    </p:tnLst>
-  </p:timing>
 </p:sld>
 </file>
 
@@ -6081,7 +6020,7 @@
           <a:lstStyle/>
           <a:p>
             <a:r>
-              <a:rPr lang="pt-BR" sz="2400" dirty="0" smtClean="0">
+              <a:rPr lang="pt-BR" sz="2400" dirty="0">
                 <a:latin typeface="MS Gothic" panose="020B0609070205080204" pitchFamily="49" charset="-128"/>
                 <a:ea typeface="MS Gothic" panose="020B0609070205080204" pitchFamily="49" charset="-128"/>
               </a:rPr>
@@ -6117,7 +6056,7 @@
           <a:lstStyle/>
           <a:p>
             <a:r>
-              <a:rPr lang="pt-BR" sz="5400" dirty="0" smtClean="0">
+              <a:rPr lang="pt-BR" sz="5400" dirty="0">
                 <a:latin typeface="MS Gothic" panose="020B0609070205080204" pitchFamily="49" charset="-128"/>
                 <a:ea typeface="MS Gothic" panose="020B0609070205080204" pitchFamily="49" charset="-128"/>
               </a:rPr>
@@ -6177,7 +6116,7 @@
       </p:sp>
       <p:pic>
         <p:nvPicPr>
-          <p:cNvPr id="7" name="Picture 6"/>
+          <p:cNvPr id="8" name="Picture 7"/>
           <p:cNvPicPr>
             <a:picLocks noChangeAspect="1"/>
           </p:cNvPicPr>
@@ -6191,13 +6130,13 @@
               </a:ext>
             </a:extLst>
           </a:blip>
-          <a:srcRect l="13082" r="13139"/>
+          <a:srcRect l="13082" r="13052"/>
           <a:stretch/>
         </p:blipFill>
         <p:spPr>
           <a:xfrm>
-            <a:off x="0" y="1877296"/>
-            <a:ext cx="6085262" cy="4639473"/>
+            <a:off x="6095999" y="1110344"/>
+            <a:ext cx="6092455" cy="5747656"/>
           </a:xfrm>
           <a:prstGeom prst="rect">
             <a:avLst/>
@@ -6206,7 +6145,13 @@
       </p:pic>
       <p:pic>
         <p:nvPicPr>
-          <p:cNvPr id="8" name="Picture 7"/>
+          <p:cNvPr id="5" name="Imagem 4" descr="Tela de celular com publicação numa rede social&#10;&#10;Descrição gerada automaticamente">
+            <a:extLst>
+              <a:ext uri="{FF2B5EF4-FFF2-40B4-BE49-F238E27FC236}">
+                <a16:creationId xmlns:a16="http://schemas.microsoft.com/office/drawing/2014/main" id="{58AC861D-161C-400F-AA94-AF2636E8060B}"/>
+              </a:ext>
+            </a:extLst>
+          </p:cNvPr>
           <p:cNvPicPr>
             <a:picLocks noChangeAspect="1"/>
           </p:cNvPicPr>
@@ -6220,13 +6165,13 @@
               </a:ext>
             </a:extLst>
           </a:blip>
-          <a:srcRect l="13082" r="13052"/>
+          <a:srcRect l="13043" r="12826"/>
           <a:stretch/>
         </p:blipFill>
         <p:spPr>
           <a:xfrm>
-            <a:off x="6095999" y="1877296"/>
-            <a:ext cx="6092455" cy="4639473"/>
+            <a:off x="-1" y="1110343"/>
+            <a:ext cx="6092454" cy="5747657"/>
           </a:xfrm>
           <a:prstGeom prst="rect">
             <a:avLst/>
@@ -6243,13 +6188,6 @@
   <p:clrMapOvr>
     <a:masterClrMapping/>
   </p:clrMapOvr>
-  <p:timing>
-    <p:tnLst>
-      <p:par>
-        <p:cTn id="1" dur="indefinite" restart="never" nodeType="tmRoot"/>
-      </p:par>
-    </p:tnLst>
-  </p:timing>
 </p:sld>
 </file>
 
@@ -6293,7 +6231,7 @@
           <a:lstStyle/>
           <a:p>
             <a:r>
-              <a:rPr lang="pt-BR" sz="2400" dirty="0" smtClean="0">
+              <a:rPr lang="pt-BR" sz="2400" dirty="0">
                 <a:latin typeface="MS Gothic" panose="020B0609070205080204" pitchFamily="49" charset="-128"/>
                 <a:ea typeface="MS Gothic" panose="020B0609070205080204" pitchFamily="49" charset="-128"/>
               </a:rPr>
@@ -6329,7 +6267,7 @@
           <a:lstStyle/>
           <a:p>
             <a:r>
-              <a:rPr lang="pt-BR" sz="5400" dirty="0" smtClean="0">
+              <a:rPr lang="pt-BR" sz="5400" dirty="0">
                 <a:latin typeface="MS Gothic" panose="020B0609070205080204" pitchFamily="49" charset="-128"/>
                 <a:ea typeface="MS Gothic" panose="020B0609070205080204" pitchFamily="49" charset="-128"/>
               </a:rPr>
@@ -6455,13 +6393,6 @@
   <p:clrMapOvr>
     <a:masterClrMapping/>
   </p:clrMapOvr>
-  <p:timing>
-    <p:tnLst>
-      <p:par>
-        <p:cTn id="1" dur="indefinite" restart="never" nodeType="tmRoot"/>
-      </p:par>
-    </p:tnLst>
-  </p:timing>
 </p:sld>
 </file>
 
@@ -6505,7 +6436,7 @@
           <a:lstStyle/>
           <a:p>
             <a:r>
-              <a:rPr lang="pt-BR" sz="2400" dirty="0" smtClean="0">
+              <a:rPr lang="pt-BR" sz="2400" dirty="0">
                 <a:latin typeface="MS Gothic" panose="020B0609070205080204" pitchFamily="49" charset="-128"/>
                 <a:ea typeface="MS Gothic" panose="020B0609070205080204" pitchFamily="49" charset="-128"/>
               </a:rPr>
@@ -6541,7 +6472,7 @@
           <a:lstStyle/>
           <a:p>
             <a:r>
-              <a:rPr lang="pt-BR" sz="5400" dirty="0" smtClean="0">
+              <a:rPr lang="pt-BR" sz="5400" dirty="0">
                 <a:latin typeface="MS Gothic" panose="020B0609070205080204" pitchFamily="49" charset="-128"/>
                 <a:ea typeface="MS Gothic" panose="020B0609070205080204" pitchFamily="49" charset="-128"/>
               </a:rPr>
@@ -6601,15 +6532,9 @@
               <a:rPr lang="pt-BR" dirty="0">
                 <a:hlinkClick r:id="rId3"/>
               </a:rPr>
-              <a:t>https://</a:t>
-            </a:r>
-            <a:r>
-              <a:rPr lang="pt-BR" dirty="0" smtClean="0">
-                <a:hlinkClick r:id="rId3"/>
-              </a:rPr>
-              <a:t>github.com/SuttoRen06/Projeto2ADS</a:t>
-            </a:r>
-            <a:endParaRPr lang="pt-BR" dirty="0" smtClean="0"/>
+              <a:t>https://github.com/SuttoRen06/Projeto2ADS</a:t>
+            </a:r>
+            <a:endParaRPr lang="pt-BR" dirty="0"/>
           </a:p>
           <a:p>
             <a:endParaRPr lang="pt-BR" dirty="0"/>
@@ -6626,13 +6551,6 @@
   <p:clrMapOvr>
     <a:masterClrMapping/>
   </p:clrMapOvr>
-  <p:timing>
-    <p:tnLst>
-      <p:par>
-        <p:cTn id="1" dur="indefinite" restart="never" nodeType="tmRoot"/>
-      </p:par>
-    </p:tnLst>
-  </p:timing>
 </p:sld>
 </file>
 
@@ -6676,7 +6594,7 @@
           <a:lstStyle/>
           <a:p>
             <a:r>
-              <a:rPr lang="pt-BR" sz="2400" dirty="0" smtClean="0">
+              <a:rPr lang="pt-BR" sz="2400" dirty="0">
                 <a:latin typeface="MS Gothic" panose="020B0609070205080204" pitchFamily="49" charset="-128"/>
                 <a:ea typeface="MS Gothic" panose="020B0609070205080204" pitchFamily="49" charset="-128"/>
               </a:rPr>
@@ -6712,7 +6630,7 @@
           <a:lstStyle/>
           <a:p>
             <a:r>
-              <a:rPr lang="pt-BR" sz="5400" dirty="0" smtClean="0">
+              <a:rPr lang="pt-BR" sz="5400" dirty="0">
                 <a:latin typeface="MS Gothic" panose="020B0609070205080204" pitchFamily="49" charset="-128"/>
                 <a:ea typeface="MS Gothic" panose="020B0609070205080204" pitchFamily="49" charset="-128"/>
               </a:rPr>
@@ -6840,13 +6758,6 @@
   <p:clrMapOvr>
     <a:masterClrMapping/>
   </p:clrMapOvr>
-  <p:timing>
-    <p:tnLst>
-      <p:par>
-        <p:cTn id="1" dur="indefinite" restart="never" nodeType="tmRoot"/>
-      </p:par>
-    </p:tnLst>
-  </p:timing>
 </p:sld>
 </file>
 
@@ -6890,7 +6801,7 @@
           <a:lstStyle/>
           <a:p>
             <a:r>
-              <a:rPr lang="pt-BR" sz="2400" dirty="0" smtClean="0">
+              <a:rPr lang="pt-BR" sz="2400" dirty="0">
                 <a:latin typeface="MS Gothic" panose="020B0609070205080204" pitchFamily="49" charset="-128"/>
                 <a:ea typeface="MS Gothic" panose="020B0609070205080204" pitchFamily="49" charset="-128"/>
               </a:rPr>
@@ -6926,7 +6837,7 @@
           <a:lstStyle/>
           <a:p>
             <a:r>
-              <a:rPr lang="pt-BR" sz="5400" dirty="0" smtClean="0">
+              <a:rPr lang="pt-BR" sz="5400" dirty="0">
                 <a:latin typeface="MS Gothic" panose="020B0609070205080204" pitchFamily="49" charset="-128"/>
                 <a:ea typeface="MS Gothic" panose="020B0609070205080204" pitchFamily="49" charset="-128"/>
               </a:rPr>
@@ -7053,13 +6964,6 @@
   <p:clrMapOvr>
     <a:masterClrMapping/>
   </p:clrMapOvr>
-  <p:timing>
-    <p:tnLst>
-      <p:par>
-        <p:cTn id="1" dur="indefinite" restart="never" nodeType="tmRoot"/>
-      </p:par>
-    </p:tnLst>
-  </p:timing>
 </p:sld>
 </file>
 
@@ -7103,7 +7007,7 @@
           <a:lstStyle/>
           <a:p>
             <a:r>
-              <a:rPr lang="pt-BR" sz="2400" dirty="0" smtClean="0">
+              <a:rPr lang="pt-BR" sz="2400" dirty="0">
                 <a:latin typeface="MS Gothic" panose="020B0609070205080204" pitchFamily="49" charset="-128"/>
                 <a:ea typeface="MS Gothic" panose="020B0609070205080204" pitchFamily="49" charset="-128"/>
               </a:rPr>
@@ -7139,7 +7043,7 @@
           <a:lstStyle/>
           <a:p>
             <a:r>
-              <a:rPr lang="pt-BR" sz="5400" dirty="0" smtClean="0">
+              <a:rPr lang="pt-BR" sz="5400" dirty="0">
                 <a:latin typeface="MS Gothic" panose="020B0609070205080204" pitchFamily="49" charset="-128"/>
                 <a:ea typeface="MS Gothic" panose="020B0609070205080204" pitchFamily="49" charset="-128"/>
               </a:rPr>
@@ -7149,6 +7053,53 @@
           </a:p>
         </p:txBody>
       </p:sp>
+      <p:pic>
+        <p:nvPicPr>
+          <p:cNvPr id="1026" name="Picture 2">
+            <a:extLst>
+              <a:ext uri="{FF2B5EF4-FFF2-40B4-BE49-F238E27FC236}">
+                <a16:creationId xmlns:a16="http://schemas.microsoft.com/office/drawing/2014/main" id="{76BDA3BF-1C62-48A4-B06A-A8E0D0C69439}"/>
+              </a:ext>
+            </a:extLst>
+          </p:cNvPr>
+          <p:cNvPicPr>
+            <a:picLocks noChangeAspect="1" noChangeArrowheads="1"/>
+          </p:cNvPicPr>
+          <p:nvPr/>
+        </p:nvPicPr>
+        <p:blipFill>
+          <a:blip r:embed="rId2">
+            <a:extLst>
+              <a:ext uri="{28A0092B-C50C-407E-A947-70E740481C1C}">
+                <a14:useLocalDpi xmlns:a14="http://schemas.microsoft.com/office/drawing/2010/main" val="0"/>
+              </a:ext>
+            </a:extLst>
+          </a:blip>
+          <a:srcRect/>
+          <a:stretch>
+            <a:fillRect/>
+          </a:stretch>
+        </p:blipFill>
+        <p:spPr bwMode="auto">
+          <a:xfrm>
+            <a:off x="0" y="1244802"/>
+            <a:ext cx="12192000" cy="5613197"/>
+          </a:xfrm>
+          <a:prstGeom prst="rect">
+            <a:avLst/>
+          </a:prstGeom>
+          <a:noFill/>
+          <a:extLst>
+            <a:ext uri="{909E8E84-426E-40DD-AFC4-6F175D3DCCD1}">
+              <a14:hiddenFill xmlns:a14="http://schemas.microsoft.com/office/drawing/2010/main">
+                <a:solidFill>
+                  <a:srgbClr val="FFFFFF"/>
+                </a:solidFill>
+              </a14:hiddenFill>
+            </a:ext>
+          </a:extLst>
+        </p:spPr>
+      </p:pic>
     </p:spTree>
     <p:extLst>
       <p:ext uri="{BB962C8B-B14F-4D97-AF65-F5344CB8AC3E}">
@@ -7159,13 +7110,6 @@
   <p:clrMapOvr>
     <a:masterClrMapping/>
   </p:clrMapOvr>
-  <p:timing>
-    <p:tnLst>
-      <p:par>
-        <p:cTn id="1" dur="indefinite" restart="never" nodeType="tmRoot"/>
-      </p:par>
-    </p:tnLst>
-  </p:timing>
 </p:sld>
 </file>
 
@@ -7209,7 +7153,7 @@
           <a:lstStyle/>
           <a:p>
             <a:r>
-              <a:rPr lang="pt-BR" sz="2400" dirty="0" smtClean="0">
+              <a:rPr lang="pt-BR" sz="2400" dirty="0">
                 <a:latin typeface="MS Gothic" panose="020B0609070205080204" pitchFamily="49" charset="-128"/>
                 <a:ea typeface="MS Gothic" panose="020B0609070205080204" pitchFamily="49" charset="-128"/>
               </a:rPr>
@@ -7245,7 +7189,7 @@
           <a:lstStyle/>
           <a:p>
             <a:r>
-              <a:rPr lang="pt-BR" sz="5400" dirty="0" smtClean="0">
+              <a:rPr lang="pt-BR" sz="5400" dirty="0">
                 <a:latin typeface="MS Gothic" panose="020B0609070205080204" pitchFamily="49" charset="-128"/>
                 <a:ea typeface="MS Gothic" panose="020B0609070205080204" pitchFamily="49" charset="-128"/>
               </a:rPr>
@@ -7422,7 +7366,7 @@
           <a:p>
             <a:pPr algn="ctr"/>
             <a:r>
-              <a:rPr lang="pt-BR" dirty="0" smtClean="0">
+              <a:rPr lang="pt-BR" dirty="0">
                 <a:solidFill>
                   <a:schemeClr val="bg1"/>
                 </a:solidFill>
@@ -7441,7 +7385,7 @@
           <a:p>
             <a:pPr algn="ctr"/>
             <a:r>
-              <a:rPr lang="pt-BR" dirty="0" smtClean="0">
+              <a:rPr lang="pt-BR" dirty="0">
                 <a:solidFill>
                   <a:schemeClr val="bg1"/>
                 </a:solidFill>
@@ -7482,7 +7426,7 @@
           <a:p>
             <a:pPr algn="ctr"/>
             <a:r>
-              <a:rPr lang="pt-BR" b="1" dirty="0" smtClean="0">
+              <a:rPr lang="pt-BR" b="1" dirty="0">
                 <a:solidFill>
                   <a:schemeClr val="bg1"/>
                 </a:solidFill>
@@ -7523,7 +7467,7 @@
           <a:p>
             <a:pPr algn="ctr"/>
             <a:r>
-              <a:rPr lang="pt-BR" b="1" dirty="0" smtClean="0">
+              <a:rPr lang="pt-BR" b="1" dirty="0">
                 <a:solidFill>
                   <a:schemeClr val="bg1"/>
                 </a:solidFill>
@@ -7564,7 +7508,7 @@
           <a:p>
             <a:pPr algn="ctr"/>
             <a:r>
-              <a:rPr lang="pt-BR" b="1" dirty="0" smtClean="0">
+              <a:rPr lang="pt-BR" b="1" dirty="0">
                 <a:solidFill>
                   <a:schemeClr val="bg1"/>
                 </a:solidFill>
@@ -7608,7 +7552,7 @@
               <a:buChar char="•"/>
             </a:pPr>
             <a:r>
-              <a:rPr lang="pt-BR" dirty="0" smtClean="0">
+              <a:rPr lang="pt-BR" dirty="0">
                 <a:solidFill>
                   <a:schemeClr val="bg1"/>
                 </a:solidFill>
@@ -7623,7 +7567,7 @@
               <a:buChar char="•"/>
             </a:pPr>
             <a:r>
-              <a:rPr lang="pt-BR" dirty="0" smtClean="0">
+              <a:rPr lang="pt-BR" dirty="0">
                 <a:solidFill>
                   <a:schemeClr val="bg1"/>
                 </a:solidFill>
@@ -7638,7 +7582,7 @@
               <a:buChar char="•"/>
             </a:pPr>
             <a:r>
-              <a:rPr lang="pt-BR" dirty="0" smtClean="0">
+              <a:rPr lang="pt-BR" dirty="0">
                 <a:solidFill>
                   <a:schemeClr val="bg1"/>
                 </a:solidFill>
@@ -7653,7 +7597,7 @@
               <a:buChar char="•"/>
             </a:pPr>
             <a:r>
-              <a:rPr lang="pt-BR" dirty="0" smtClean="0">
+              <a:rPr lang="pt-BR" dirty="0">
                 <a:solidFill>
                   <a:schemeClr val="bg1"/>
                 </a:solidFill>
@@ -7668,7 +7612,7 @@
               <a:buChar char="•"/>
             </a:pPr>
             <a:r>
-              <a:rPr lang="pt-BR" dirty="0" smtClean="0">
+              <a:rPr lang="pt-BR" dirty="0">
                 <a:solidFill>
                   <a:schemeClr val="bg1"/>
                 </a:solidFill>
@@ -7712,7 +7656,7 @@
               <a:buChar char="•"/>
             </a:pPr>
             <a:r>
-              <a:rPr lang="pt-BR" dirty="0" smtClean="0">
+              <a:rPr lang="pt-BR" dirty="0">
                 <a:solidFill>
                   <a:schemeClr val="bg1"/>
                 </a:solidFill>
@@ -7727,7 +7671,7 @@
               <a:buChar char="•"/>
             </a:pPr>
             <a:r>
-              <a:rPr lang="pt-BR" dirty="0" smtClean="0">
+              <a:rPr lang="pt-BR" dirty="0">
                 <a:solidFill>
                   <a:schemeClr val="bg1"/>
                 </a:solidFill>
@@ -7742,7 +7686,7 @@
               <a:buChar char="•"/>
             </a:pPr>
             <a:r>
-              <a:rPr lang="pt-BR" dirty="0" smtClean="0">
+              <a:rPr lang="pt-BR" dirty="0">
                 <a:solidFill>
                   <a:schemeClr val="bg1"/>
                 </a:solidFill>
@@ -7757,7 +7701,7 @@
               <a:buChar char="•"/>
             </a:pPr>
             <a:r>
-              <a:rPr lang="pt-BR" dirty="0" smtClean="0">
+              <a:rPr lang="pt-BR" dirty="0">
                 <a:solidFill>
                   <a:schemeClr val="bg1"/>
                 </a:solidFill>
@@ -7803,7 +7747,7 @@
               <a:buChar char="•"/>
             </a:pPr>
             <a:r>
-              <a:rPr lang="pt-BR" dirty="0" smtClean="0">
+              <a:rPr lang="pt-BR" dirty="0">
                 <a:solidFill>
                   <a:schemeClr val="bg1"/>
                 </a:solidFill>
@@ -7818,7 +7762,7 @@
               <a:buChar char="•"/>
             </a:pPr>
             <a:r>
-              <a:rPr lang="pt-BR" dirty="0" smtClean="0">
+              <a:rPr lang="pt-BR" dirty="0">
                 <a:solidFill>
                   <a:schemeClr val="bg1"/>
                 </a:solidFill>
@@ -7833,7 +7777,7 @@
               <a:buChar char="•"/>
             </a:pPr>
             <a:r>
-              <a:rPr lang="pt-BR" dirty="0" smtClean="0">
+              <a:rPr lang="pt-BR" dirty="0">
                 <a:solidFill>
                   <a:schemeClr val="bg1"/>
                 </a:solidFill>
@@ -7848,7 +7792,7 @@
               <a:buChar char="•"/>
             </a:pPr>
             <a:r>
-              <a:rPr lang="pt-BR" dirty="0" smtClean="0">
+              <a:rPr lang="pt-BR" dirty="0">
                 <a:solidFill>
                   <a:schemeClr val="bg1"/>
                 </a:solidFill>
@@ -7869,13 +7813,6 @@
   <p:clrMapOvr>
     <a:masterClrMapping/>
   </p:clrMapOvr>
-  <p:timing>
-    <p:tnLst>
-      <p:par>
-        <p:cTn id="1" dur="indefinite" restart="never" nodeType="tmRoot"/>
-      </p:par>
-    </p:tnLst>
-  </p:timing>
 </p:sld>
 </file>
 
@@ -7919,7 +7856,7 @@
           <a:lstStyle/>
           <a:p>
             <a:r>
-              <a:rPr lang="pt-BR" sz="2400" dirty="0" smtClean="0">
+              <a:rPr lang="pt-BR" sz="2400" dirty="0">
                 <a:latin typeface="MS Gothic" panose="020B0609070205080204" pitchFamily="49" charset="-128"/>
                 <a:ea typeface="MS Gothic" panose="020B0609070205080204" pitchFamily="49" charset="-128"/>
               </a:rPr>
@@ -7955,7 +7892,7 @@
           <a:lstStyle/>
           <a:p>
             <a:r>
-              <a:rPr lang="pt-BR" sz="5400" dirty="0" smtClean="0">
+              <a:rPr lang="pt-BR" sz="5400" dirty="0">
                 <a:latin typeface="MS Gothic" panose="020B0609070205080204" pitchFamily="49" charset="-128"/>
                 <a:ea typeface="MS Gothic" panose="020B0609070205080204" pitchFamily="49" charset="-128"/>
               </a:rPr>
@@ -8103,7 +8040,7 @@
           <a:p>
             <a:pPr algn="ctr"/>
             <a:r>
-              <a:rPr lang="pt-BR" dirty="0" smtClean="0">
+              <a:rPr lang="pt-BR" dirty="0">
                 <a:solidFill>
                   <a:schemeClr val="bg1"/>
                 </a:solidFill>
@@ -8122,7 +8059,7 @@
           <a:p>
             <a:pPr algn="ctr"/>
             <a:r>
-              <a:rPr lang="pt-BR" dirty="0" smtClean="0">
+              <a:rPr lang="pt-BR" dirty="0">
                 <a:solidFill>
                   <a:schemeClr val="bg1"/>
                 </a:solidFill>
@@ -8163,7 +8100,7 @@
           <a:p>
             <a:pPr algn="ctr"/>
             <a:r>
-              <a:rPr lang="pt-BR" b="1" dirty="0" smtClean="0">
+              <a:rPr lang="pt-BR" b="1" dirty="0">
                 <a:solidFill>
                   <a:schemeClr val="bg1"/>
                 </a:solidFill>
@@ -8204,7 +8141,7 @@
           <a:p>
             <a:pPr algn="ctr"/>
             <a:r>
-              <a:rPr lang="pt-BR" b="1" dirty="0" smtClean="0">
+              <a:rPr lang="pt-BR" b="1" dirty="0">
                 <a:solidFill>
                   <a:schemeClr val="bg1"/>
                 </a:solidFill>
@@ -8245,7 +8182,7 @@
           <a:p>
             <a:pPr algn="ctr"/>
             <a:r>
-              <a:rPr lang="pt-BR" b="1" dirty="0" smtClean="0">
+              <a:rPr lang="pt-BR" b="1" dirty="0">
                 <a:solidFill>
                   <a:schemeClr val="bg1"/>
                 </a:solidFill>
@@ -8289,7 +8226,7 @@
               <a:buChar char="•"/>
             </a:pPr>
             <a:r>
-              <a:rPr lang="pt-BR" dirty="0" smtClean="0">
+              <a:rPr lang="pt-BR" dirty="0">
                 <a:solidFill>
                   <a:schemeClr val="bg1"/>
                 </a:solidFill>
@@ -8304,7 +8241,7 @@
               <a:buChar char="•"/>
             </a:pPr>
             <a:r>
-              <a:rPr lang="pt-BR" dirty="0" smtClean="0">
+              <a:rPr lang="pt-BR" dirty="0">
                 <a:solidFill>
                   <a:schemeClr val="bg1"/>
                 </a:solidFill>
@@ -8319,7 +8256,7 @@
               <a:buChar char="•"/>
             </a:pPr>
             <a:r>
-              <a:rPr lang="pt-BR" dirty="0" smtClean="0">
+              <a:rPr lang="pt-BR" dirty="0">
                 <a:solidFill>
                   <a:schemeClr val="bg1"/>
                 </a:solidFill>
@@ -8334,7 +8271,7 @@
               <a:buChar char="•"/>
             </a:pPr>
             <a:r>
-              <a:rPr lang="pt-BR" dirty="0" smtClean="0">
+              <a:rPr lang="pt-BR" dirty="0">
                 <a:solidFill>
                   <a:schemeClr val="bg1"/>
                 </a:solidFill>
@@ -8372,31 +8309,13 @@
               <a:buChar char="•"/>
             </a:pPr>
             <a:r>
-              <a:rPr lang="pt-BR" dirty="0" smtClean="0">
-                <a:solidFill>
-                  <a:schemeClr val="bg1"/>
-                </a:solidFill>
-                <a:latin typeface="Comic Sans MS" panose="030F0702030302020204" pitchFamily="66" charset="0"/>
-              </a:rPr>
-              <a:t>3</a:t>
-            </a:r>
-            <a:r>
               <a:rPr lang="pt-BR" dirty="0">
                 <a:solidFill>
                   <a:schemeClr val="bg1"/>
                 </a:solidFill>
                 <a:latin typeface="Comic Sans MS" panose="030F0702030302020204" pitchFamily="66" charset="0"/>
               </a:rPr>
-              <a:t>2</a:t>
-            </a:r>
-            <a:r>
-              <a:rPr lang="pt-BR" dirty="0" smtClean="0">
-                <a:solidFill>
-                  <a:schemeClr val="bg1"/>
-                </a:solidFill>
-                <a:latin typeface="Comic Sans MS" panose="030F0702030302020204" pitchFamily="66" charset="0"/>
-              </a:rPr>
-              <a:t> anos</a:t>
+              <a:t>32 anos</a:t>
             </a:r>
           </a:p>
           <a:p>
@@ -8405,7 +8324,7 @@
               <a:buChar char="•"/>
             </a:pPr>
             <a:r>
-              <a:rPr lang="pt-BR" dirty="0" smtClean="0">
+              <a:rPr lang="pt-BR" dirty="0">
                 <a:solidFill>
                   <a:schemeClr val="bg1"/>
                 </a:solidFill>
@@ -8420,7 +8339,7 @@
               <a:buChar char="•"/>
             </a:pPr>
             <a:r>
-              <a:rPr lang="pt-BR" dirty="0" smtClean="0">
+              <a:rPr lang="pt-BR" dirty="0">
                 <a:solidFill>
                   <a:schemeClr val="bg1"/>
                 </a:solidFill>
@@ -8435,7 +8354,7 @@
               <a:buChar char="•"/>
             </a:pPr>
             <a:r>
-              <a:rPr lang="pt-BR" dirty="0" smtClean="0">
+              <a:rPr lang="pt-BR" dirty="0">
                 <a:solidFill>
                   <a:schemeClr val="bg1"/>
                 </a:solidFill>
@@ -8481,7 +8400,7 @@
               <a:buChar char="•"/>
             </a:pPr>
             <a:r>
-              <a:rPr lang="pt-BR" dirty="0" smtClean="0">
+              <a:rPr lang="pt-BR" dirty="0">
                 <a:solidFill>
                   <a:schemeClr val="bg1"/>
                 </a:solidFill>
@@ -8496,7 +8415,7 @@
               <a:buChar char="•"/>
             </a:pPr>
             <a:r>
-              <a:rPr lang="pt-BR" dirty="0" smtClean="0">
+              <a:rPr lang="pt-BR" dirty="0">
                 <a:solidFill>
                   <a:schemeClr val="bg1"/>
                 </a:solidFill>
@@ -8546,13 +8465,6 @@
   <p:clrMapOvr>
     <a:masterClrMapping/>
   </p:clrMapOvr>
-  <p:timing>
-    <p:tnLst>
-      <p:par>
-        <p:cTn id="1" dur="indefinite" restart="never" nodeType="tmRoot"/>
-      </p:par>
-    </p:tnLst>
-  </p:timing>
 </p:sld>
 </file>
 
@@ -8596,7 +8508,7 @@
           <a:lstStyle/>
           <a:p>
             <a:r>
-              <a:rPr lang="pt-BR" sz="2400" dirty="0" smtClean="0">
+              <a:rPr lang="pt-BR" sz="2400" dirty="0">
                 <a:latin typeface="MS Gothic" panose="020B0609070205080204" pitchFamily="49" charset="-128"/>
                 <a:ea typeface="MS Gothic" panose="020B0609070205080204" pitchFamily="49" charset="-128"/>
               </a:rPr>
@@ -8632,7 +8544,7 @@
           <a:lstStyle/>
           <a:p>
             <a:r>
-              <a:rPr lang="pt-BR" sz="5400" dirty="0" smtClean="0">
+              <a:rPr lang="pt-BR" sz="5400" dirty="0">
                 <a:latin typeface="MS Gothic" panose="020B0609070205080204" pitchFamily="49" charset="-128"/>
                 <a:ea typeface="MS Gothic" panose="020B0609070205080204" pitchFamily="49" charset="-128"/>
               </a:rPr>
@@ -9020,13 +8932,6 @@
   <p:clrMapOvr>
     <a:masterClrMapping/>
   </p:clrMapOvr>
-  <p:timing>
-    <p:tnLst>
-      <p:par>
-        <p:cTn id="1" dur="indefinite" restart="never" nodeType="tmRoot"/>
-      </p:par>
-    </p:tnLst>
-  </p:timing>
 </p:sld>
 </file>
 
@@ -9070,7 +8975,7 @@
           <a:lstStyle/>
           <a:p>
             <a:r>
-              <a:rPr lang="pt-BR" sz="2400" dirty="0" smtClean="0">
+              <a:rPr lang="pt-BR" sz="2400" dirty="0">
                 <a:latin typeface="MS Gothic" panose="020B0609070205080204" pitchFamily="49" charset="-128"/>
                 <a:ea typeface="MS Gothic" panose="020B0609070205080204" pitchFamily="49" charset="-128"/>
               </a:rPr>
@@ -9106,7 +9011,7 @@
           <a:lstStyle/>
           <a:p>
             <a:r>
-              <a:rPr lang="pt-BR" sz="5400" dirty="0" smtClean="0">
+              <a:rPr lang="pt-BR" sz="5400" dirty="0">
                 <a:latin typeface="MS Gothic" panose="020B0609070205080204" pitchFamily="49" charset="-128"/>
                 <a:ea typeface="MS Gothic" panose="020B0609070205080204" pitchFamily="49" charset="-128"/>
               </a:rPr>
@@ -9507,13 +9412,6 @@
   <p:clrMapOvr>
     <a:masterClrMapping/>
   </p:clrMapOvr>
-  <p:timing>
-    <p:tnLst>
-      <p:par>
-        <p:cTn id="1" dur="indefinite" restart="never" nodeType="tmRoot"/>
-      </p:par>
-    </p:tnLst>
-  </p:timing>
 </p:sld>
 </file>
 
@@ -9557,7 +9455,7 @@
           <a:lstStyle/>
           <a:p>
             <a:r>
-              <a:rPr lang="pt-BR" sz="2400" dirty="0" smtClean="0">
+              <a:rPr lang="pt-BR" sz="2400" dirty="0">
                 <a:latin typeface="MS Gothic" panose="020B0609070205080204" pitchFamily="49" charset="-128"/>
                 <a:ea typeface="MS Gothic" panose="020B0609070205080204" pitchFamily="49" charset="-128"/>
               </a:rPr>
@@ -9593,7 +9491,7 @@
           <a:lstStyle/>
           <a:p>
             <a:r>
-              <a:rPr lang="pt-BR" sz="5400" dirty="0" smtClean="0">
+              <a:rPr lang="pt-BR" sz="5400" dirty="0">
                 <a:latin typeface="MS Gothic" panose="020B0609070205080204" pitchFamily="49" charset="-128"/>
                 <a:ea typeface="MS Gothic" panose="020B0609070205080204" pitchFamily="49" charset="-128"/>
               </a:rPr>
@@ -9721,13 +9619,6 @@
   <p:clrMapOvr>
     <a:masterClrMapping/>
   </p:clrMapOvr>
-  <p:timing>
-    <p:tnLst>
-      <p:par>
-        <p:cTn id="1" dur="indefinite" restart="never" nodeType="tmRoot"/>
-      </p:par>
-    </p:tnLst>
-  </p:timing>
 </p:sld>
 </file>
 
@@ -9771,7 +9662,7 @@
           <a:lstStyle/>
           <a:p>
             <a:r>
-              <a:rPr lang="pt-BR" sz="2400" dirty="0" smtClean="0">
+              <a:rPr lang="pt-BR" sz="2400" dirty="0">
                 <a:latin typeface="MS Gothic" panose="020B0609070205080204" pitchFamily="49" charset="-128"/>
                 <a:ea typeface="MS Gothic" panose="020B0609070205080204" pitchFamily="49" charset="-128"/>
               </a:rPr>
@@ -9829,7 +9720,7 @@
           <a:lstStyle/>
           <a:p>
             <a:r>
-              <a:rPr lang="pt-BR" sz="5400" dirty="0" smtClean="0">
+              <a:rPr lang="pt-BR" sz="5400" dirty="0">
                 <a:latin typeface="MS Gothic" panose="020B0609070205080204" pitchFamily="49" charset="-128"/>
                 <a:ea typeface="MS Gothic" panose="020B0609070205080204" pitchFamily="49" charset="-128"/>
               </a:rPr>
@@ -9884,7 +9775,7 @@
           <a:p>
             <a:pPr algn="ctr"/>
             <a:r>
-              <a:rPr lang="pt-BR" dirty="0" smtClean="0"/>
+              <a:rPr lang="pt-BR" dirty="0"/>
               <a:t> - </a:t>
             </a:r>
             <a:endParaRPr lang="en-US" dirty="0"/>
@@ -9918,7 +9809,7 @@
               <a:buChar char="•"/>
             </a:pPr>
             <a:r>
-              <a:rPr lang="pt-BR" sz="1600" b="1" dirty="0" smtClean="0">
+              <a:rPr lang="pt-BR" sz="1600" b="1" dirty="0">
                 <a:solidFill>
                   <a:srgbClr val="FFC000"/>
                 </a:solidFill>
@@ -9927,7 +9818,7 @@
               <a:t>US001</a:t>
             </a:r>
             <a:r>
-              <a:rPr lang="pt-BR" sz="1600" dirty="0" smtClean="0">
+              <a:rPr lang="pt-BR" sz="1600" dirty="0">
                 <a:solidFill>
                   <a:schemeClr val="bg1"/>
                 </a:solidFill>
@@ -9971,7 +9862,7 @@
               <a:buChar char="•"/>
             </a:pPr>
             <a:r>
-              <a:rPr lang="pt-BR" sz="1600" b="1" dirty="0" smtClean="0">
+              <a:rPr lang="pt-BR" sz="1600" b="1" dirty="0">
                 <a:solidFill>
                   <a:srgbClr val="FFC000"/>
                 </a:solidFill>
@@ -9980,40 +9871,57 @@
               <a:t>US003</a:t>
             </a:r>
             <a:r>
-              <a:rPr lang="pt-BR" sz="1600" dirty="0" smtClean="0">
-                <a:solidFill>
-                  <a:schemeClr val="bg1"/>
-                </a:solidFill>
-                <a:latin typeface="Comic Sans MS" panose="030F0702030302020204" pitchFamily="66" charset="0"/>
-              </a:rPr>
-              <a:t> – Eu, </a:t>
-            </a:r>
-            <a:r>
               <a:rPr lang="pt-BR" sz="1600" dirty="0">
                 <a:solidFill>
                   <a:schemeClr val="bg1"/>
                 </a:solidFill>
                 <a:latin typeface="Comic Sans MS" panose="030F0702030302020204" pitchFamily="66" charset="0"/>
               </a:rPr>
-              <a:t>como </a:t>
-            </a:r>
-            <a:r>
-              <a:rPr lang="pt-BR" sz="1600" dirty="0" smtClean="0">
+              <a:t> – Eu, como analista de infraestrutura, gostaria de um sistema de monitoramento, para gerenciar as máquinas da minha empresa, para mitigar possíveis riscos e gerar receita. </a:t>
+            </a:r>
+            <a:endParaRPr lang="en-US" sz="1600" dirty="0">
+              <a:solidFill>
+                <a:schemeClr val="bg1"/>
+              </a:solidFill>
+              <a:latin typeface="Comic Sans MS" panose="030F0702030302020204" pitchFamily="66" charset="0"/>
+            </a:endParaRPr>
+          </a:p>
+        </p:txBody>
+      </p:sp>
+      <p:sp>
+        <p:nvSpPr>
+          <p:cNvPr id="9" name="TextBox 8"/>
+          <p:cNvSpPr txBox="1"/>
+          <p:nvPr/>
+        </p:nvSpPr>
+        <p:spPr>
+          <a:xfrm>
+            <a:off x="6328396" y="1209284"/>
+            <a:ext cx="4710223" cy="1323439"/>
+          </a:xfrm>
+          <a:prstGeom prst="rect">
+            <a:avLst/>
+          </a:prstGeom>
+          <a:noFill/>
+        </p:spPr>
+        <p:txBody>
+          <a:bodyPr wrap="square" rtlCol="0">
+            <a:spAutoFit/>
+          </a:bodyPr>
+          <a:lstStyle/>
+          <a:p>
+            <a:pPr marL="285750" indent="-285750" algn="just">
+              <a:buFont typeface="Arial" panose="020B0604020202020204" pitchFamily="34" charset="0"/>
+              <a:buChar char="•"/>
+            </a:pPr>
+            <a:r>
+              <a:rPr lang="pt-BR" sz="1600" b="1" dirty="0">
                 <a:solidFill>
-                  <a:schemeClr val="bg1"/>
+                  <a:srgbClr val="FFC000"/>
                 </a:solidFill>
                 <a:latin typeface="Comic Sans MS" panose="030F0702030302020204" pitchFamily="66" charset="0"/>
               </a:rPr>
-              <a:t>analista de</a:t>
-            </a:r>
-            <a:r>
-              <a:rPr lang="pt-BR" sz="1600" dirty="0" smtClean="0">
-                <a:solidFill>
-                  <a:schemeClr val="bg1"/>
-                </a:solidFill>
-                <a:latin typeface="Comic Sans MS" panose="030F0702030302020204" pitchFamily="66" charset="0"/>
-              </a:rPr>
-              <a:t> </a:t>
+              <a:t>US002</a:t>
             </a:r>
             <a:r>
               <a:rPr lang="pt-BR" sz="1600" dirty="0">
@@ -10022,16 +9930,7 @@
                 </a:solidFill>
                 <a:latin typeface="Comic Sans MS" panose="030F0702030302020204" pitchFamily="66" charset="0"/>
               </a:rPr>
-              <a:t>infraestrutura, gostaria de um sistema de monitoramento, para gerenciar as máquinas da minha empresa, para mitigar possíveis riscos e gerar receita.</a:t>
-            </a:r>
-            <a:r>
-              <a:rPr lang="pt-BR" sz="1600" dirty="0" smtClean="0">
-                <a:solidFill>
-                  <a:schemeClr val="bg1"/>
-                </a:solidFill>
-                <a:latin typeface="Comic Sans MS" panose="030F0702030302020204" pitchFamily="66" charset="0"/>
-              </a:rPr>
-              <a:t> </a:t>
+              <a:t> – Eu, como analista de infraestrutura, gostaria de um sistema de monitoramento de computadores, para identificar com mais agilidade possíveis erros da máquina. </a:t>
             </a:r>
             <a:endParaRPr lang="en-US" sz="1600" dirty="0">
               <a:solidFill>
@@ -10044,14 +9943,14 @@
       </p:sp>
       <p:sp>
         <p:nvSpPr>
-          <p:cNvPr id="9" name="TextBox 8"/>
+          <p:cNvPr id="10" name="TextBox 9"/>
           <p:cNvSpPr txBox="1"/>
           <p:nvPr/>
         </p:nvSpPr>
         <p:spPr>
           <a:xfrm>
-            <a:off x="6328396" y="1209284"/>
-            <a:ext cx="4710223" cy="1323439"/>
+            <a:off x="-2" y="3616385"/>
+            <a:ext cx="4710223" cy="1077218"/>
           </a:xfrm>
           <a:prstGeom prst="rect">
             <a:avLst/>
@@ -10069,22 +9968,13 @@
               <a:buChar char="•"/>
             </a:pPr>
             <a:r>
-              <a:rPr lang="pt-BR" sz="1600" b="1" dirty="0" smtClean="0">
+              <a:rPr lang="pt-BR" sz="1600" b="1" dirty="0">
                 <a:solidFill>
                   <a:srgbClr val="FFC000"/>
                 </a:solidFill>
                 <a:latin typeface="Comic Sans MS" panose="030F0702030302020204" pitchFamily="66" charset="0"/>
               </a:rPr>
-              <a:t>US002</a:t>
-            </a:r>
-            <a:r>
-              <a:rPr lang="pt-BR" sz="1600" dirty="0" smtClean="0">
-                <a:solidFill>
-                  <a:schemeClr val="bg1"/>
-                </a:solidFill>
-                <a:latin typeface="Comic Sans MS" panose="030F0702030302020204" pitchFamily="66" charset="0"/>
-              </a:rPr>
-              <a:t> – Eu, </a:t>
+              <a:t>US005</a:t>
             </a:r>
             <a:r>
               <a:rPr lang="pt-BR" sz="1600" dirty="0">
@@ -10093,25 +9983,51 @@
                 </a:solidFill>
                 <a:latin typeface="Comic Sans MS" panose="030F0702030302020204" pitchFamily="66" charset="0"/>
               </a:rPr>
-              <a:t>como </a:t>
-            </a:r>
-            <a:r>
-              <a:rPr lang="pt-BR" sz="1600" dirty="0" smtClean="0">
+              <a:t> – Eu, como analista de infraestrutura, gostaria de uma tela que gerasse relatórios sobre a situação da máquina, afim de mitigar possíveis erros. </a:t>
+            </a:r>
+            <a:endParaRPr lang="en-US" sz="1600" dirty="0">
+              <a:solidFill>
+                <a:schemeClr val="bg1"/>
+              </a:solidFill>
+              <a:latin typeface="Comic Sans MS" panose="030F0702030302020204" pitchFamily="66" charset="0"/>
+            </a:endParaRPr>
+          </a:p>
+        </p:txBody>
+      </p:sp>
+      <p:sp>
+        <p:nvSpPr>
+          <p:cNvPr id="11" name="TextBox 10"/>
+          <p:cNvSpPr txBox="1"/>
+          <p:nvPr/>
+        </p:nvSpPr>
+        <p:spPr>
+          <a:xfrm>
+            <a:off x="6328395" y="2555835"/>
+            <a:ext cx="4710223" cy="1323439"/>
+          </a:xfrm>
+          <a:prstGeom prst="rect">
+            <a:avLst/>
+          </a:prstGeom>
+          <a:noFill/>
+        </p:spPr>
+        <p:txBody>
+          <a:bodyPr wrap="square" rtlCol="0">
+            <a:spAutoFit/>
+          </a:bodyPr>
+          <a:lstStyle/>
+          <a:p>
+            <a:pPr marL="285750" indent="-285750" algn="just">
+              <a:buFont typeface="Arial" panose="020B0604020202020204" pitchFamily="34" charset="0"/>
+              <a:buChar char="•"/>
+            </a:pPr>
+            <a:r>
+              <a:rPr lang="pt-BR" sz="1600" b="1" dirty="0">
                 <a:solidFill>
-                  <a:schemeClr val="bg1"/>
+                  <a:srgbClr val="FFC000"/>
                 </a:solidFill>
                 <a:latin typeface="Comic Sans MS" panose="030F0702030302020204" pitchFamily="66" charset="0"/>
               </a:rPr>
-              <a:t>analista de</a:t>
-            </a:r>
-            <a:r>
-              <a:rPr lang="pt-BR" sz="1600" dirty="0" smtClean="0">
-                <a:solidFill>
-                  <a:schemeClr val="bg1"/>
-                </a:solidFill>
-                <a:latin typeface="Comic Sans MS" panose="030F0702030302020204" pitchFamily="66" charset="0"/>
-              </a:rPr>
-              <a:t> </a:t>
+              <a:t>US004</a:t>
             </a:r>
             <a:r>
               <a:rPr lang="pt-BR" sz="1600" dirty="0">
@@ -10120,16 +10036,7 @@
                 </a:solidFill>
                 <a:latin typeface="Comic Sans MS" panose="030F0702030302020204" pitchFamily="66" charset="0"/>
               </a:rPr>
-              <a:t>infraestrutura, gostaria de um sistema de monitoramento de computadores, para identificar com mais agilidade possíveis erros da máquina.</a:t>
-            </a:r>
-            <a:r>
-              <a:rPr lang="pt-BR" sz="1600" dirty="0" smtClean="0">
-                <a:solidFill>
-                  <a:schemeClr val="bg1"/>
-                </a:solidFill>
-                <a:latin typeface="Comic Sans MS" panose="030F0702030302020204" pitchFamily="66" charset="0"/>
-              </a:rPr>
-              <a:t> </a:t>
+              <a:t> – Eu, como analista de infraestrutura, gostaria de ter alertas relacionados a quando um usuário utiliza muito da rede, para assuntos fora da empresa. </a:t>
             </a:r>
             <a:endParaRPr lang="en-US" sz="1600" dirty="0">
               <a:solidFill>
@@ -10142,14 +10049,14 @@
       </p:sp>
       <p:sp>
         <p:nvSpPr>
-          <p:cNvPr id="10" name="TextBox 9"/>
+          <p:cNvPr id="12" name="TextBox 11"/>
           <p:cNvSpPr txBox="1"/>
           <p:nvPr/>
         </p:nvSpPr>
         <p:spPr>
           <a:xfrm>
-            <a:off x="-2" y="3616385"/>
-            <a:ext cx="4710223" cy="1077218"/>
+            <a:off x="6328394" y="3912035"/>
+            <a:ext cx="4710223" cy="830997"/>
           </a:xfrm>
           <a:prstGeom prst="rect">
             <a:avLst/>
@@ -10167,22 +10074,13 @@
               <a:buChar char="•"/>
             </a:pPr>
             <a:r>
-              <a:rPr lang="pt-BR" sz="1600" b="1" dirty="0" smtClean="0">
+              <a:rPr lang="pt-BR" sz="1600" b="1" dirty="0">
                 <a:solidFill>
                   <a:srgbClr val="FFC000"/>
                 </a:solidFill>
                 <a:latin typeface="Comic Sans MS" panose="030F0702030302020204" pitchFamily="66" charset="0"/>
               </a:rPr>
-              <a:t>US005</a:t>
-            </a:r>
-            <a:r>
-              <a:rPr lang="pt-BR" sz="1600" dirty="0" smtClean="0">
-                <a:solidFill>
-                  <a:schemeClr val="bg1"/>
-                </a:solidFill>
-                <a:latin typeface="Comic Sans MS" panose="030F0702030302020204" pitchFamily="66" charset="0"/>
-              </a:rPr>
-              <a:t> – Eu, </a:t>
+              <a:t>US006</a:t>
             </a:r>
             <a:r>
               <a:rPr lang="pt-BR" sz="1600" dirty="0">
@@ -10191,25 +10089,51 @@
                 </a:solidFill>
                 <a:latin typeface="Comic Sans MS" panose="030F0702030302020204" pitchFamily="66" charset="0"/>
               </a:rPr>
-              <a:t>como </a:t>
-            </a:r>
-            <a:r>
-              <a:rPr lang="pt-BR" sz="1600" dirty="0" smtClean="0">
+              <a:t> – Eu, como gestor, necessito saber todas máquinas em operação, para ter controle dos funcionários. </a:t>
+            </a:r>
+            <a:endParaRPr lang="en-US" sz="1600" dirty="0">
+              <a:solidFill>
+                <a:schemeClr val="bg1"/>
+              </a:solidFill>
+              <a:latin typeface="Comic Sans MS" panose="030F0702030302020204" pitchFamily="66" charset="0"/>
+            </a:endParaRPr>
+          </a:p>
+        </p:txBody>
+      </p:sp>
+      <p:sp>
+        <p:nvSpPr>
+          <p:cNvPr id="13" name="TextBox 12"/>
+          <p:cNvSpPr txBox="1"/>
+          <p:nvPr/>
+        </p:nvSpPr>
+        <p:spPr>
+          <a:xfrm>
+            <a:off x="47845" y="4693603"/>
+            <a:ext cx="4710223" cy="830997"/>
+          </a:xfrm>
+          <a:prstGeom prst="rect">
+            <a:avLst/>
+          </a:prstGeom>
+          <a:noFill/>
+        </p:spPr>
+        <p:txBody>
+          <a:bodyPr wrap="square" rtlCol="0">
+            <a:spAutoFit/>
+          </a:bodyPr>
+          <a:lstStyle/>
+          <a:p>
+            <a:pPr marL="285750" indent="-285750" algn="just">
+              <a:buFont typeface="Arial" panose="020B0604020202020204" pitchFamily="34" charset="0"/>
+              <a:buChar char="•"/>
+            </a:pPr>
+            <a:r>
+              <a:rPr lang="pt-BR" sz="1600" b="1" dirty="0">
                 <a:solidFill>
-                  <a:schemeClr val="bg1"/>
+                  <a:srgbClr val="FFC000"/>
                 </a:solidFill>
                 <a:latin typeface="Comic Sans MS" panose="030F0702030302020204" pitchFamily="66" charset="0"/>
               </a:rPr>
-              <a:t>analista de</a:t>
-            </a:r>
-            <a:r>
-              <a:rPr lang="pt-BR" sz="1600" dirty="0" smtClean="0">
-                <a:solidFill>
-                  <a:schemeClr val="bg1"/>
-                </a:solidFill>
-                <a:latin typeface="Comic Sans MS" panose="030F0702030302020204" pitchFamily="66" charset="0"/>
-              </a:rPr>
-              <a:t> </a:t>
+              <a:t>US007</a:t>
             </a:r>
             <a:r>
               <a:rPr lang="pt-BR" sz="1600" dirty="0">
@@ -10218,16 +10142,51 @@
                 </a:solidFill>
                 <a:latin typeface="Comic Sans MS" panose="030F0702030302020204" pitchFamily="66" charset="0"/>
               </a:rPr>
-              <a:t>infraestrutura, gostaria de uma tela que gerasse relatórios sobre a situação da </a:t>
-            </a:r>
-            <a:r>
-              <a:rPr lang="pt-BR" sz="1600" dirty="0" smtClean="0">
+              <a:t> – Eu, como analista de infraestrutura, preciso de um login para proteger meus dados. </a:t>
+            </a:r>
+            <a:endParaRPr lang="en-US" sz="1600" dirty="0">
+              <a:solidFill>
+                <a:schemeClr val="bg1"/>
+              </a:solidFill>
+              <a:latin typeface="Comic Sans MS" panose="030F0702030302020204" pitchFamily="66" charset="0"/>
+            </a:endParaRPr>
+          </a:p>
+        </p:txBody>
+      </p:sp>
+      <p:sp>
+        <p:nvSpPr>
+          <p:cNvPr id="14" name="TextBox 13"/>
+          <p:cNvSpPr txBox="1"/>
+          <p:nvPr/>
+        </p:nvSpPr>
+        <p:spPr>
+          <a:xfrm>
+            <a:off x="-14433" y="5524600"/>
+            <a:ext cx="4710223" cy="1323439"/>
+          </a:xfrm>
+          <a:prstGeom prst="rect">
+            <a:avLst/>
+          </a:prstGeom>
+          <a:noFill/>
+        </p:spPr>
+        <p:txBody>
+          <a:bodyPr wrap="square" rtlCol="0">
+            <a:spAutoFit/>
+          </a:bodyPr>
+          <a:lstStyle/>
+          <a:p>
+            <a:pPr marL="285750" indent="-285750" algn="just">
+              <a:buFont typeface="Arial" panose="020B0604020202020204" pitchFamily="34" charset="0"/>
+              <a:buChar char="•"/>
+            </a:pPr>
+            <a:r>
+              <a:rPr lang="pt-BR" sz="1600" b="1" dirty="0">
                 <a:solidFill>
-                  <a:schemeClr val="bg1"/>
+                  <a:srgbClr val="FFC000"/>
                 </a:solidFill>
                 <a:latin typeface="Comic Sans MS" panose="030F0702030302020204" pitchFamily="66" charset="0"/>
               </a:rPr>
-              <a:t>máquina, </a:t>
+              <a:t>US009</a:t>
             </a:r>
             <a:r>
               <a:rPr lang="pt-BR" sz="1600" dirty="0">
@@ -10236,16 +10195,7 @@
                 </a:solidFill>
                 <a:latin typeface="Comic Sans MS" panose="030F0702030302020204" pitchFamily="66" charset="0"/>
               </a:rPr>
-              <a:t>afim de mitigar possíveis erros.</a:t>
-            </a:r>
-            <a:r>
-              <a:rPr lang="pt-BR" sz="1600" dirty="0" smtClean="0">
-                <a:solidFill>
-                  <a:schemeClr val="bg1"/>
-                </a:solidFill>
-                <a:latin typeface="Comic Sans MS" panose="030F0702030302020204" pitchFamily="66" charset="0"/>
-              </a:rPr>
-              <a:t> </a:t>
+              <a:t> – Eu, como analista de infraestrutura, preciso receber alertas quando a máquina está muito tempo desligada ou em estado crítico, para mitigar riscos. </a:t>
             </a:r>
             <a:endParaRPr lang="en-US" sz="1600" dirty="0">
               <a:solidFill>
@@ -10258,14 +10208,14 @@
       </p:sp>
       <p:sp>
         <p:nvSpPr>
-          <p:cNvPr id="11" name="TextBox 10"/>
+          <p:cNvPr id="15" name="TextBox 14"/>
           <p:cNvSpPr txBox="1"/>
           <p:nvPr/>
         </p:nvSpPr>
         <p:spPr>
           <a:xfrm>
-            <a:off x="6328395" y="2555835"/>
-            <a:ext cx="4710223" cy="1323439"/>
+            <a:off x="6328393" y="4775793"/>
+            <a:ext cx="4710223" cy="830997"/>
           </a:xfrm>
           <a:prstGeom prst="rect">
             <a:avLst/>
@@ -10283,22 +10233,13 @@
               <a:buChar char="•"/>
             </a:pPr>
             <a:r>
-              <a:rPr lang="pt-BR" sz="1600" b="1" dirty="0" smtClean="0">
+              <a:rPr lang="pt-BR" sz="1600" b="1" dirty="0">
                 <a:solidFill>
                   <a:srgbClr val="FFC000"/>
                 </a:solidFill>
                 <a:latin typeface="Comic Sans MS" panose="030F0702030302020204" pitchFamily="66" charset="0"/>
               </a:rPr>
-              <a:t>US004</a:t>
-            </a:r>
-            <a:r>
-              <a:rPr lang="pt-BR" sz="1600" dirty="0" smtClean="0">
-                <a:solidFill>
-                  <a:schemeClr val="bg1"/>
-                </a:solidFill>
-                <a:latin typeface="Comic Sans MS" panose="030F0702030302020204" pitchFamily="66" charset="0"/>
-              </a:rPr>
-              <a:t> – Eu, </a:t>
+              <a:t>US008</a:t>
             </a:r>
             <a:r>
               <a:rPr lang="pt-BR" sz="1600" dirty="0">
@@ -10307,25 +10248,51 @@
                 </a:solidFill>
                 <a:latin typeface="Comic Sans MS" panose="030F0702030302020204" pitchFamily="66" charset="0"/>
               </a:rPr>
-              <a:t>como </a:t>
-            </a:r>
-            <a:r>
-              <a:rPr lang="pt-BR" sz="1600" dirty="0" smtClean="0">
+              <a:t> – Eu, como analista de infraestrutura, preciso de uma forma de recuperação de senha, para mitigar erros. </a:t>
+            </a:r>
+            <a:endParaRPr lang="en-US" sz="1600" dirty="0">
+              <a:solidFill>
+                <a:schemeClr val="bg1"/>
+              </a:solidFill>
+              <a:latin typeface="Comic Sans MS" panose="030F0702030302020204" pitchFamily="66" charset="0"/>
+            </a:endParaRPr>
+          </a:p>
+        </p:txBody>
+      </p:sp>
+      <p:sp>
+        <p:nvSpPr>
+          <p:cNvPr id="16" name="TextBox 15"/>
+          <p:cNvSpPr txBox="1"/>
+          <p:nvPr/>
+        </p:nvSpPr>
+        <p:spPr>
+          <a:xfrm>
+            <a:off x="6328392" y="5697310"/>
+            <a:ext cx="4710223" cy="1077218"/>
+          </a:xfrm>
+          <a:prstGeom prst="rect">
+            <a:avLst/>
+          </a:prstGeom>
+          <a:noFill/>
+        </p:spPr>
+        <p:txBody>
+          <a:bodyPr wrap="square" rtlCol="0">
+            <a:spAutoFit/>
+          </a:bodyPr>
+          <a:lstStyle/>
+          <a:p>
+            <a:pPr marL="285750" indent="-285750" algn="just">
+              <a:buFont typeface="Arial" panose="020B0604020202020204" pitchFamily="34" charset="0"/>
+              <a:buChar char="•"/>
+            </a:pPr>
+            <a:r>
+              <a:rPr lang="pt-BR" sz="1600" b="1" dirty="0">
                 <a:solidFill>
-                  <a:schemeClr val="bg1"/>
+                  <a:srgbClr val="FFC000"/>
                 </a:solidFill>
                 <a:latin typeface="Comic Sans MS" panose="030F0702030302020204" pitchFamily="66" charset="0"/>
               </a:rPr>
-              <a:t>analista de</a:t>
-            </a:r>
-            <a:r>
-              <a:rPr lang="pt-BR" sz="1600" dirty="0" smtClean="0">
-                <a:solidFill>
-                  <a:schemeClr val="bg1"/>
-                </a:solidFill>
-                <a:latin typeface="Comic Sans MS" panose="030F0702030302020204" pitchFamily="66" charset="0"/>
-              </a:rPr>
-              <a:t> </a:t>
+              <a:t>US010</a:t>
             </a:r>
             <a:r>
               <a:rPr lang="pt-BR" sz="1600" dirty="0">
@@ -10334,515 +10301,7 @@
                 </a:solidFill>
                 <a:latin typeface="Comic Sans MS" panose="030F0702030302020204" pitchFamily="66" charset="0"/>
               </a:rPr>
-              <a:t>infraestrutura, gostaria de ter alertas relacionados a quando um usuário utiliza muito da </a:t>
-            </a:r>
-            <a:r>
-              <a:rPr lang="pt-BR" sz="1600" dirty="0" smtClean="0">
-                <a:solidFill>
-                  <a:schemeClr val="bg1"/>
-                </a:solidFill>
-                <a:latin typeface="Comic Sans MS" panose="030F0702030302020204" pitchFamily="66" charset="0"/>
-              </a:rPr>
-              <a:t>rede, </a:t>
-            </a:r>
-            <a:r>
-              <a:rPr lang="pt-BR" sz="1600" dirty="0">
-                <a:solidFill>
-                  <a:schemeClr val="bg1"/>
-                </a:solidFill>
-                <a:latin typeface="Comic Sans MS" panose="030F0702030302020204" pitchFamily="66" charset="0"/>
-              </a:rPr>
-              <a:t>para assuntos fora da empresa.</a:t>
-            </a:r>
-            <a:r>
-              <a:rPr lang="pt-BR" sz="1600" dirty="0" smtClean="0">
-                <a:solidFill>
-                  <a:schemeClr val="bg1"/>
-                </a:solidFill>
-                <a:latin typeface="Comic Sans MS" panose="030F0702030302020204" pitchFamily="66" charset="0"/>
-              </a:rPr>
-              <a:t> </a:t>
-            </a:r>
-            <a:endParaRPr lang="en-US" sz="1600" dirty="0">
-              <a:solidFill>
-                <a:schemeClr val="bg1"/>
-              </a:solidFill>
-              <a:latin typeface="Comic Sans MS" panose="030F0702030302020204" pitchFamily="66" charset="0"/>
-            </a:endParaRPr>
-          </a:p>
-        </p:txBody>
-      </p:sp>
-      <p:sp>
-        <p:nvSpPr>
-          <p:cNvPr id="12" name="TextBox 11"/>
-          <p:cNvSpPr txBox="1"/>
-          <p:nvPr/>
-        </p:nvSpPr>
-        <p:spPr>
-          <a:xfrm>
-            <a:off x="6328394" y="3912035"/>
-            <a:ext cx="4710223" cy="830997"/>
-          </a:xfrm>
-          <a:prstGeom prst="rect">
-            <a:avLst/>
-          </a:prstGeom>
-          <a:noFill/>
-        </p:spPr>
-        <p:txBody>
-          <a:bodyPr wrap="square" rtlCol="0">
-            <a:spAutoFit/>
-          </a:bodyPr>
-          <a:lstStyle/>
-          <a:p>
-            <a:pPr marL="285750" indent="-285750" algn="just">
-              <a:buFont typeface="Arial" panose="020B0604020202020204" pitchFamily="34" charset="0"/>
-              <a:buChar char="•"/>
-            </a:pPr>
-            <a:r>
-              <a:rPr lang="pt-BR" sz="1600" b="1" dirty="0" smtClean="0">
-                <a:solidFill>
-                  <a:srgbClr val="FFC000"/>
-                </a:solidFill>
-                <a:latin typeface="Comic Sans MS" panose="030F0702030302020204" pitchFamily="66" charset="0"/>
-              </a:rPr>
-              <a:t>US006</a:t>
-            </a:r>
-            <a:r>
-              <a:rPr lang="pt-BR" sz="1600" dirty="0" smtClean="0">
-                <a:solidFill>
-                  <a:schemeClr val="bg1"/>
-                </a:solidFill>
-                <a:latin typeface="Comic Sans MS" panose="030F0702030302020204" pitchFamily="66" charset="0"/>
-              </a:rPr>
-              <a:t> – Eu, </a:t>
-            </a:r>
-            <a:r>
-              <a:rPr lang="pt-BR" sz="1600" dirty="0">
-                <a:solidFill>
-                  <a:schemeClr val="bg1"/>
-                </a:solidFill>
-                <a:latin typeface="Comic Sans MS" panose="030F0702030302020204" pitchFamily="66" charset="0"/>
-              </a:rPr>
-              <a:t>como gestor, necessito saber todas máquinas em operação, para ter controle dos funcionários.</a:t>
-            </a:r>
-            <a:r>
-              <a:rPr lang="pt-BR" sz="1600" dirty="0" smtClean="0">
-                <a:solidFill>
-                  <a:schemeClr val="bg1"/>
-                </a:solidFill>
-                <a:latin typeface="Comic Sans MS" panose="030F0702030302020204" pitchFamily="66" charset="0"/>
-              </a:rPr>
-              <a:t> </a:t>
-            </a:r>
-            <a:endParaRPr lang="en-US" sz="1600" dirty="0">
-              <a:solidFill>
-                <a:schemeClr val="bg1"/>
-              </a:solidFill>
-              <a:latin typeface="Comic Sans MS" panose="030F0702030302020204" pitchFamily="66" charset="0"/>
-            </a:endParaRPr>
-          </a:p>
-        </p:txBody>
-      </p:sp>
-      <p:sp>
-        <p:nvSpPr>
-          <p:cNvPr id="13" name="TextBox 12"/>
-          <p:cNvSpPr txBox="1"/>
-          <p:nvPr/>
-        </p:nvSpPr>
-        <p:spPr>
-          <a:xfrm>
-            <a:off x="47845" y="4693603"/>
-            <a:ext cx="4710223" cy="830997"/>
-          </a:xfrm>
-          <a:prstGeom prst="rect">
-            <a:avLst/>
-          </a:prstGeom>
-          <a:noFill/>
-        </p:spPr>
-        <p:txBody>
-          <a:bodyPr wrap="square" rtlCol="0">
-            <a:spAutoFit/>
-          </a:bodyPr>
-          <a:lstStyle/>
-          <a:p>
-            <a:pPr marL="285750" indent="-285750" algn="just">
-              <a:buFont typeface="Arial" panose="020B0604020202020204" pitchFamily="34" charset="0"/>
-              <a:buChar char="•"/>
-            </a:pPr>
-            <a:r>
-              <a:rPr lang="pt-BR" sz="1600" b="1" dirty="0" smtClean="0">
-                <a:solidFill>
-                  <a:srgbClr val="FFC000"/>
-                </a:solidFill>
-                <a:latin typeface="Comic Sans MS" panose="030F0702030302020204" pitchFamily="66" charset="0"/>
-              </a:rPr>
-              <a:t>US007</a:t>
-            </a:r>
-            <a:r>
-              <a:rPr lang="pt-BR" sz="1600" dirty="0" smtClean="0">
-                <a:solidFill>
-                  <a:schemeClr val="bg1"/>
-                </a:solidFill>
-                <a:latin typeface="Comic Sans MS" panose="030F0702030302020204" pitchFamily="66" charset="0"/>
-              </a:rPr>
-              <a:t> – Eu, </a:t>
-            </a:r>
-            <a:r>
-              <a:rPr lang="pt-BR" sz="1600" dirty="0">
-                <a:solidFill>
-                  <a:schemeClr val="bg1"/>
-                </a:solidFill>
-                <a:latin typeface="Comic Sans MS" panose="030F0702030302020204" pitchFamily="66" charset="0"/>
-              </a:rPr>
-              <a:t>como </a:t>
-            </a:r>
-            <a:r>
-              <a:rPr lang="pt-BR" sz="1600" dirty="0" smtClean="0">
-                <a:solidFill>
-                  <a:schemeClr val="bg1"/>
-                </a:solidFill>
-                <a:latin typeface="Comic Sans MS" panose="030F0702030302020204" pitchFamily="66" charset="0"/>
-              </a:rPr>
-              <a:t>analista de</a:t>
-            </a:r>
-            <a:r>
-              <a:rPr lang="pt-BR" sz="1600" dirty="0" smtClean="0">
-                <a:solidFill>
-                  <a:schemeClr val="bg1"/>
-                </a:solidFill>
-                <a:latin typeface="Comic Sans MS" panose="030F0702030302020204" pitchFamily="66" charset="0"/>
-              </a:rPr>
-              <a:t> </a:t>
-            </a:r>
-            <a:r>
-              <a:rPr lang="pt-BR" sz="1600" dirty="0">
-                <a:solidFill>
-                  <a:schemeClr val="bg1"/>
-                </a:solidFill>
-                <a:latin typeface="Comic Sans MS" panose="030F0702030302020204" pitchFamily="66" charset="0"/>
-              </a:rPr>
-              <a:t>infraestrutura, preciso de um login para proteger meus dados.</a:t>
-            </a:r>
-            <a:r>
-              <a:rPr lang="pt-BR" sz="1600" dirty="0" smtClean="0">
-                <a:solidFill>
-                  <a:schemeClr val="bg1"/>
-                </a:solidFill>
-                <a:latin typeface="Comic Sans MS" panose="030F0702030302020204" pitchFamily="66" charset="0"/>
-              </a:rPr>
-              <a:t> </a:t>
-            </a:r>
-            <a:endParaRPr lang="en-US" sz="1600" dirty="0">
-              <a:solidFill>
-                <a:schemeClr val="bg1"/>
-              </a:solidFill>
-              <a:latin typeface="Comic Sans MS" panose="030F0702030302020204" pitchFamily="66" charset="0"/>
-            </a:endParaRPr>
-          </a:p>
-        </p:txBody>
-      </p:sp>
-      <p:sp>
-        <p:nvSpPr>
-          <p:cNvPr id="14" name="TextBox 13"/>
-          <p:cNvSpPr txBox="1"/>
-          <p:nvPr/>
-        </p:nvSpPr>
-        <p:spPr>
-          <a:xfrm>
-            <a:off x="-14433" y="5524600"/>
-            <a:ext cx="4710223" cy="1323439"/>
-          </a:xfrm>
-          <a:prstGeom prst="rect">
-            <a:avLst/>
-          </a:prstGeom>
-          <a:noFill/>
-        </p:spPr>
-        <p:txBody>
-          <a:bodyPr wrap="square" rtlCol="0">
-            <a:spAutoFit/>
-          </a:bodyPr>
-          <a:lstStyle/>
-          <a:p>
-            <a:pPr marL="285750" indent="-285750" algn="just">
-              <a:buFont typeface="Arial" panose="020B0604020202020204" pitchFamily="34" charset="0"/>
-              <a:buChar char="•"/>
-            </a:pPr>
-            <a:r>
-              <a:rPr lang="pt-BR" sz="1600" b="1" dirty="0" smtClean="0">
-                <a:solidFill>
-                  <a:srgbClr val="FFC000"/>
-                </a:solidFill>
-                <a:latin typeface="Comic Sans MS" panose="030F0702030302020204" pitchFamily="66" charset="0"/>
-              </a:rPr>
-              <a:t>US009</a:t>
-            </a:r>
-            <a:r>
-              <a:rPr lang="pt-BR" sz="1600" dirty="0" smtClean="0">
-                <a:solidFill>
-                  <a:schemeClr val="bg1"/>
-                </a:solidFill>
-                <a:latin typeface="Comic Sans MS" panose="030F0702030302020204" pitchFamily="66" charset="0"/>
-              </a:rPr>
-              <a:t> – Eu, </a:t>
-            </a:r>
-            <a:r>
-              <a:rPr lang="pt-BR" sz="1600" dirty="0">
-                <a:solidFill>
-                  <a:schemeClr val="bg1"/>
-                </a:solidFill>
-                <a:latin typeface="Comic Sans MS" panose="030F0702030302020204" pitchFamily="66" charset="0"/>
-              </a:rPr>
-              <a:t>como analista de infraestrutura, preciso receber alertas quando a máquina está muito tempo </a:t>
-            </a:r>
-            <a:r>
-              <a:rPr lang="pt-BR" sz="1600" dirty="0" smtClean="0">
-                <a:solidFill>
-                  <a:schemeClr val="bg1"/>
-                </a:solidFill>
-                <a:latin typeface="Comic Sans MS" panose="030F0702030302020204" pitchFamily="66" charset="0"/>
-              </a:rPr>
-              <a:t>desligada </a:t>
-            </a:r>
-            <a:r>
-              <a:rPr lang="pt-BR" sz="1600" dirty="0">
-                <a:solidFill>
-                  <a:schemeClr val="bg1"/>
-                </a:solidFill>
-                <a:latin typeface="Comic Sans MS" panose="030F0702030302020204" pitchFamily="66" charset="0"/>
-              </a:rPr>
-              <a:t>ou em estado </a:t>
-            </a:r>
-            <a:r>
-              <a:rPr lang="pt-BR" sz="1600" dirty="0" smtClean="0">
-                <a:solidFill>
-                  <a:schemeClr val="bg1"/>
-                </a:solidFill>
-                <a:latin typeface="Comic Sans MS" panose="030F0702030302020204" pitchFamily="66" charset="0"/>
-              </a:rPr>
-              <a:t>crítico, </a:t>
-            </a:r>
-            <a:r>
-              <a:rPr lang="pt-BR" sz="1600" dirty="0">
-                <a:solidFill>
-                  <a:schemeClr val="bg1"/>
-                </a:solidFill>
-                <a:latin typeface="Comic Sans MS" panose="030F0702030302020204" pitchFamily="66" charset="0"/>
-              </a:rPr>
-              <a:t>para mitigar riscos.</a:t>
-            </a:r>
-            <a:r>
-              <a:rPr lang="pt-BR" sz="1600" dirty="0" smtClean="0">
-                <a:solidFill>
-                  <a:schemeClr val="bg1"/>
-                </a:solidFill>
-                <a:latin typeface="Comic Sans MS" panose="030F0702030302020204" pitchFamily="66" charset="0"/>
-              </a:rPr>
-              <a:t> </a:t>
-            </a:r>
-            <a:endParaRPr lang="en-US" sz="1600" dirty="0">
-              <a:solidFill>
-                <a:schemeClr val="bg1"/>
-              </a:solidFill>
-              <a:latin typeface="Comic Sans MS" panose="030F0702030302020204" pitchFamily="66" charset="0"/>
-            </a:endParaRPr>
-          </a:p>
-        </p:txBody>
-      </p:sp>
-      <p:sp>
-        <p:nvSpPr>
-          <p:cNvPr id="15" name="TextBox 14"/>
-          <p:cNvSpPr txBox="1"/>
-          <p:nvPr/>
-        </p:nvSpPr>
-        <p:spPr>
-          <a:xfrm>
-            <a:off x="6328393" y="4775793"/>
-            <a:ext cx="4710223" cy="830997"/>
-          </a:xfrm>
-          <a:prstGeom prst="rect">
-            <a:avLst/>
-          </a:prstGeom>
-          <a:noFill/>
-        </p:spPr>
-        <p:txBody>
-          <a:bodyPr wrap="square" rtlCol="0">
-            <a:spAutoFit/>
-          </a:bodyPr>
-          <a:lstStyle/>
-          <a:p>
-            <a:pPr marL="285750" indent="-285750" algn="just">
-              <a:buFont typeface="Arial" panose="020B0604020202020204" pitchFamily="34" charset="0"/>
-              <a:buChar char="•"/>
-            </a:pPr>
-            <a:r>
-              <a:rPr lang="pt-BR" sz="1600" b="1" dirty="0" smtClean="0">
-                <a:solidFill>
-                  <a:srgbClr val="FFC000"/>
-                </a:solidFill>
-                <a:latin typeface="Comic Sans MS" panose="030F0702030302020204" pitchFamily="66" charset="0"/>
-              </a:rPr>
-              <a:t>US008</a:t>
-            </a:r>
-            <a:r>
-              <a:rPr lang="pt-BR" sz="1600" dirty="0" smtClean="0">
-                <a:solidFill>
-                  <a:schemeClr val="bg1"/>
-                </a:solidFill>
-                <a:latin typeface="Comic Sans MS" panose="030F0702030302020204" pitchFamily="66" charset="0"/>
-              </a:rPr>
-              <a:t> – Eu, </a:t>
-            </a:r>
-            <a:r>
-              <a:rPr lang="pt-BR" sz="1600" dirty="0">
-                <a:solidFill>
-                  <a:schemeClr val="bg1"/>
-                </a:solidFill>
-                <a:latin typeface="Comic Sans MS" panose="030F0702030302020204" pitchFamily="66" charset="0"/>
-              </a:rPr>
-              <a:t>como </a:t>
-            </a:r>
-            <a:r>
-              <a:rPr lang="pt-BR" sz="1600" dirty="0" smtClean="0">
-                <a:solidFill>
-                  <a:schemeClr val="bg1"/>
-                </a:solidFill>
-                <a:latin typeface="Comic Sans MS" panose="030F0702030302020204" pitchFamily="66" charset="0"/>
-              </a:rPr>
-              <a:t>analista de</a:t>
-            </a:r>
-            <a:r>
-              <a:rPr lang="pt-BR" sz="1600" dirty="0" smtClean="0">
-                <a:solidFill>
-                  <a:schemeClr val="bg1"/>
-                </a:solidFill>
-                <a:latin typeface="Comic Sans MS" panose="030F0702030302020204" pitchFamily="66" charset="0"/>
-              </a:rPr>
-              <a:t> </a:t>
-            </a:r>
-            <a:r>
-              <a:rPr lang="pt-BR" sz="1600" dirty="0">
-                <a:solidFill>
-                  <a:schemeClr val="bg1"/>
-                </a:solidFill>
-                <a:latin typeface="Comic Sans MS" panose="030F0702030302020204" pitchFamily="66" charset="0"/>
-              </a:rPr>
-              <a:t>infraestrutura, preciso de uma forma de recuperação de </a:t>
-            </a:r>
-            <a:r>
-              <a:rPr lang="pt-BR" sz="1600" dirty="0" smtClean="0">
-                <a:solidFill>
-                  <a:schemeClr val="bg1"/>
-                </a:solidFill>
-                <a:latin typeface="Comic Sans MS" panose="030F0702030302020204" pitchFamily="66" charset="0"/>
-              </a:rPr>
-              <a:t>senha, </a:t>
-            </a:r>
-            <a:r>
-              <a:rPr lang="pt-BR" sz="1600" dirty="0">
-                <a:solidFill>
-                  <a:schemeClr val="bg1"/>
-                </a:solidFill>
-                <a:latin typeface="Comic Sans MS" panose="030F0702030302020204" pitchFamily="66" charset="0"/>
-              </a:rPr>
-              <a:t>para mitigar erros.</a:t>
-            </a:r>
-            <a:r>
-              <a:rPr lang="pt-BR" sz="1600" dirty="0" smtClean="0">
-                <a:solidFill>
-                  <a:schemeClr val="bg1"/>
-                </a:solidFill>
-                <a:latin typeface="Comic Sans MS" panose="030F0702030302020204" pitchFamily="66" charset="0"/>
-              </a:rPr>
-              <a:t> </a:t>
-            </a:r>
-            <a:endParaRPr lang="en-US" sz="1600" dirty="0">
-              <a:solidFill>
-                <a:schemeClr val="bg1"/>
-              </a:solidFill>
-              <a:latin typeface="Comic Sans MS" panose="030F0702030302020204" pitchFamily="66" charset="0"/>
-            </a:endParaRPr>
-          </a:p>
-        </p:txBody>
-      </p:sp>
-      <p:sp>
-        <p:nvSpPr>
-          <p:cNvPr id="16" name="TextBox 15"/>
-          <p:cNvSpPr txBox="1"/>
-          <p:nvPr/>
-        </p:nvSpPr>
-        <p:spPr>
-          <a:xfrm>
-            <a:off x="6328392" y="5697310"/>
-            <a:ext cx="4710223" cy="1077218"/>
-          </a:xfrm>
-          <a:prstGeom prst="rect">
-            <a:avLst/>
-          </a:prstGeom>
-          <a:noFill/>
-        </p:spPr>
-        <p:txBody>
-          <a:bodyPr wrap="square" rtlCol="0">
-            <a:spAutoFit/>
-          </a:bodyPr>
-          <a:lstStyle/>
-          <a:p>
-            <a:pPr marL="285750" indent="-285750" algn="just">
-              <a:buFont typeface="Arial" panose="020B0604020202020204" pitchFamily="34" charset="0"/>
-              <a:buChar char="•"/>
-            </a:pPr>
-            <a:r>
-              <a:rPr lang="pt-BR" sz="1600" b="1" dirty="0" smtClean="0">
-                <a:solidFill>
-                  <a:srgbClr val="FFC000"/>
-                </a:solidFill>
-                <a:latin typeface="Comic Sans MS" panose="030F0702030302020204" pitchFamily="66" charset="0"/>
-              </a:rPr>
-              <a:t>US010</a:t>
-            </a:r>
-            <a:r>
-              <a:rPr lang="pt-BR" sz="1600" dirty="0" smtClean="0">
-                <a:solidFill>
-                  <a:schemeClr val="bg1"/>
-                </a:solidFill>
-                <a:latin typeface="Comic Sans MS" panose="030F0702030302020204" pitchFamily="66" charset="0"/>
-              </a:rPr>
-              <a:t> – Eu, </a:t>
-            </a:r>
-            <a:r>
-              <a:rPr lang="pt-BR" sz="1600" dirty="0">
-                <a:solidFill>
-                  <a:schemeClr val="bg1"/>
-                </a:solidFill>
-                <a:latin typeface="Comic Sans MS" panose="030F0702030302020204" pitchFamily="66" charset="0"/>
-              </a:rPr>
-              <a:t>como analista de infraestrutura, preciso saber do histórico da </a:t>
-            </a:r>
-            <a:r>
-              <a:rPr lang="pt-BR" sz="1600" dirty="0" smtClean="0">
-                <a:solidFill>
-                  <a:schemeClr val="bg1"/>
-                </a:solidFill>
-                <a:latin typeface="Comic Sans MS" panose="030F0702030302020204" pitchFamily="66" charset="0"/>
-              </a:rPr>
-              <a:t>máquina, </a:t>
-            </a:r>
-            <a:r>
-              <a:rPr lang="pt-BR" sz="1600" dirty="0">
-                <a:solidFill>
-                  <a:schemeClr val="bg1"/>
-                </a:solidFill>
-                <a:latin typeface="Comic Sans MS" panose="030F0702030302020204" pitchFamily="66" charset="0"/>
-              </a:rPr>
-              <a:t>para agendar manutenções preditivas.</a:t>
-            </a:r>
-            <a:r>
-              <a:rPr lang="pt-BR" sz="1600" dirty="0" smtClean="0">
-                <a:solidFill>
-                  <a:schemeClr val="bg1"/>
-                </a:solidFill>
-                <a:latin typeface="Comic Sans MS" panose="030F0702030302020204" pitchFamily="66" charset="0"/>
-              </a:rPr>
-              <a:t> </a:t>
+              <a:t> – Eu, como analista de infraestrutura, preciso saber do histórico da máquina, para agendar manutenções preditivas. </a:t>
             </a:r>
             <a:endParaRPr lang="en-US" sz="1600" dirty="0">
               <a:solidFill>
@@ -10863,13 +10322,6 @@
   <p:clrMapOvr>
     <a:masterClrMapping/>
   </p:clrMapOvr>
-  <p:timing>
-    <p:tnLst>
-      <p:par>
-        <p:cTn id="1" dur="indefinite" restart="never" nodeType="tmRoot"/>
-      </p:par>
-    </p:tnLst>
-  </p:timing>
 </p:sld>
 </file>
 
@@ -10913,7 +10365,7 @@
           <a:lstStyle/>
           <a:p>
             <a:r>
-              <a:rPr lang="pt-BR" sz="2400" dirty="0" smtClean="0">
+              <a:rPr lang="pt-BR" sz="2400" dirty="0">
                 <a:latin typeface="MS Gothic" panose="020B0609070205080204" pitchFamily="49" charset="-128"/>
                 <a:ea typeface="MS Gothic" panose="020B0609070205080204" pitchFamily="49" charset="-128"/>
               </a:rPr>
@@ -10949,7 +10401,7 @@
           <a:lstStyle/>
           <a:p>
             <a:r>
-              <a:rPr lang="pt-BR" sz="5400" dirty="0" smtClean="0">
+              <a:rPr lang="pt-BR" sz="5400" dirty="0">
                 <a:latin typeface="MS Gothic" panose="020B0609070205080204" pitchFamily="49" charset="-128"/>
                 <a:ea typeface="MS Gothic" panose="020B0609070205080204" pitchFamily="49" charset="-128"/>
               </a:rPr>
@@ -11004,7 +10456,7 @@
           <a:p>
             <a:pPr algn="ctr"/>
             <a:r>
-              <a:rPr lang="pt-BR" dirty="0" smtClean="0"/>
+              <a:rPr lang="pt-BR" dirty="0"/>
               <a:t> - </a:t>
             </a:r>
             <a:endParaRPr lang="en-US" dirty="0"/>
@@ -11045,13 +10497,6 @@
   <p:clrMapOvr>
     <a:masterClrMapping/>
   </p:clrMapOvr>
-  <p:timing>
-    <p:tnLst>
-      <p:par>
-        <p:cTn id="1" dur="indefinite" restart="never" nodeType="tmRoot"/>
-      </p:par>
-    </p:tnLst>
-  </p:timing>
 </p:sld>
 </file>
 
